--- a/thesis/abs/Bao cao thuyet trinh.pptx
+++ b/thesis/abs/Bao cao thuyet trinh.pptx
@@ -342,7 +342,7 @@
             <a:fld id="{1D8BD707-D9CF-40AE-B4C6-C98DA3205C09}" type="datetimeFigureOut">
               <a:rPr lang="en-US" smtClean="0"/>
               <a:pPr/>
-              <a:t>1/4/2026</a:t>
+              <a:t>1/5/2026</a:t>
             </a:fld>
             <a:endParaRPr lang="en-US"/>
           </a:p>
@@ -507,7 +507,7 @@
             <a:fld id="{1D8BD707-D9CF-40AE-B4C6-C98DA3205C09}" type="datetimeFigureOut">
               <a:rPr lang="en-US" smtClean="0"/>
               <a:pPr/>
-              <a:t>1/4/2026</a:t>
+              <a:t>1/5/2026</a:t>
             </a:fld>
             <a:endParaRPr lang="en-US"/>
           </a:p>
@@ -682,7 +682,7 @@
             <a:fld id="{1D8BD707-D9CF-40AE-B4C6-C98DA3205C09}" type="datetimeFigureOut">
               <a:rPr lang="en-US" smtClean="0"/>
               <a:pPr/>
-              <a:t>1/4/2026</a:t>
+              <a:t>1/5/2026</a:t>
             </a:fld>
             <a:endParaRPr lang="en-US"/>
           </a:p>
@@ -847,7 +847,7 @@
             <a:fld id="{1D8BD707-D9CF-40AE-B4C6-C98DA3205C09}" type="datetimeFigureOut">
               <a:rPr lang="en-US" smtClean="0"/>
               <a:pPr/>
-              <a:t>1/4/2026</a:t>
+              <a:t>1/5/2026</a:t>
             </a:fld>
             <a:endParaRPr lang="en-US"/>
           </a:p>
@@ -1089,7 +1089,7 @@
             <a:fld id="{1D8BD707-D9CF-40AE-B4C6-C98DA3205C09}" type="datetimeFigureOut">
               <a:rPr lang="en-US" smtClean="0"/>
               <a:pPr/>
-              <a:t>1/4/2026</a:t>
+              <a:t>1/5/2026</a:t>
             </a:fld>
             <a:endParaRPr lang="en-US"/>
           </a:p>
@@ -1371,7 +1371,7 @@
             <a:fld id="{1D8BD707-D9CF-40AE-B4C6-C98DA3205C09}" type="datetimeFigureOut">
               <a:rPr lang="en-US" smtClean="0"/>
               <a:pPr/>
-              <a:t>1/4/2026</a:t>
+              <a:t>1/5/2026</a:t>
             </a:fld>
             <a:endParaRPr lang="en-US"/>
           </a:p>
@@ -1787,7 +1787,7 @@
             <a:fld id="{1D8BD707-D9CF-40AE-B4C6-C98DA3205C09}" type="datetimeFigureOut">
               <a:rPr lang="en-US" smtClean="0"/>
               <a:pPr/>
-              <a:t>1/4/2026</a:t>
+              <a:t>1/5/2026</a:t>
             </a:fld>
             <a:endParaRPr lang="en-US"/>
           </a:p>
@@ -1901,7 +1901,7 @@
             <a:fld id="{1D8BD707-D9CF-40AE-B4C6-C98DA3205C09}" type="datetimeFigureOut">
               <a:rPr lang="en-US" smtClean="0"/>
               <a:pPr/>
-              <a:t>1/4/2026</a:t>
+              <a:t>1/5/2026</a:t>
             </a:fld>
             <a:endParaRPr lang="en-US"/>
           </a:p>
@@ -1993,7 +1993,7 @@
             <a:fld id="{1D8BD707-D9CF-40AE-B4C6-C98DA3205C09}" type="datetimeFigureOut">
               <a:rPr lang="en-US" smtClean="0"/>
               <a:pPr/>
-              <a:t>1/4/2026</a:t>
+              <a:t>1/5/2026</a:t>
             </a:fld>
             <a:endParaRPr lang="en-US"/>
           </a:p>
@@ -2265,7 +2265,7 @@
             <a:fld id="{1D8BD707-D9CF-40AE-B4C6-C98DA3205C09}" type="datetimeFigureOut">
               <a:rPr lang="en-US" smtClean="0"/>
               <a:pPr/>
-              <a:t>1/4/2026</a:t>
+              <a:t>1/5/2026</a:t>
             </a:fld>
             <a:endParaRPr lang="en-US"/>
           </a:p>
@@ -2514,7 +2514,7 @@
             <a:fld id="{1D8BD707-D9CF-40AE-B4C6-C98DA3205C09}" type="datetimeFigureOut">
               <a:rPr lang="en-US" smtClean="0"/>
               <a:pPr/>
-              <a:t>1/4/2026</a:t>
+              <a:t>1/5/2026</a:t>
             </a:fld>
             <a:endParaRPr lang="en-US"/>
           </a:p>
@@ -2722,7 +2722,7 @@
             <a:fld id="{1D8BD707-D9CF-40AE-B4C6-C98DA3205C09}" type="datetimeFigureOut">
               <a:rPr lang="en-US" smtClean="0"/>
               <a:pPr/>
-              <a:t>1/4/2026</a:t>
+              <a:t>1/5/2026</a:t>
             </a:fld>
             <a:endParaRPr lang="en-US"/>
           </a:p>
@@ -6342,14 +6342,14 @@
         <p:spPr>
           <a:xfrm>
             <a:off x="5188863" y="75565"/>
-            <a:ext cx="6988493" cy="953135"/>
+            <a:ext cx="7384137" cy="897682"/>
           </a:xfrm>
           <a:prstGeom prst="rect">
             <a:avLst/>
           </a:prstGeom>
         </p:spPr>
         <p:txBody>
-          <a:bodyPr lIns="0" tIns="0" rIns="0" bIns="0" rtlCol="0" anchor="t">
+          <a:bodyPr wrap="square" lIns="0" tIns="0" rIns="0" bIns="0" rtlCol="0" anchor="t">
             <a:spAutoFit/>
           </a:bodyPr>
           <a:lstStyle/>
@@ -6363,7 +6363,7 @@
               </a:spcBef>
             </a:pPr>
             <a:r>
-              <a:rPr lang="en-US" sz="5600" b="1">
+              <a:rPr lang="en-US" sz="5600" b="1" dirty="0">
                 <a:solidFill>
                   <a:srgbClr val="F4B342"/>
                 </a:solidFill>
@@ -6372,8 +6372,101 @@
                 <a:cs typeface="Tahoma Bold"/>
                 <a:sym typeface="Tahoma Bold"/>
               </a:rPr>
-              <a:t>3. Kết quả đạt được</a:t>
-            </a:r>
+              <a:t>3. </a:t>
+            </a:r>
+            <a:r>
+              <a:rPr lang="en-US" sz="5600" b="1" dirty="0" err="1">
+                <a:solidFill>
+                  <a:srgbClr val="F4B342"/>
+                </a:solidFill>
+                <a:latin typeface="Tahoma Bold"/>
+                <a:ea typeface="Tahoma Bold"/>
+                <a:cs typeface="Tahoma Bold"/>
+                <a:sym typeface="Tahoma Bold"/>
+              </a:rPr>
+              <a:t>Kết</a:t>
+            </a:r>
+            <a:r>
+              <a:rPr lang="en-US" sz="5600" b="1" dirty="0">
+                <a:solidFill>
+                  <a:srgbClr val="F4B342"/>
+                </a:solidFill>
+                <a:latin typeface="Tahoma Bold"/>
+                <a:ea typeface="Tahoma Bold"/>
+                <a:cs typeface="Tahoma Bold"/>
+                <a:sym typeface="Tahoma Bold"/>
+              </a:rPr>
+              <a:t> </a:t>
+            </a:r>
+            <a:r>
+              <a:rPr lang="en-US" sz="5600" b="1" dirty="0" err="1">
+                <a:solidFill>
+                  <a:srgbClr val="F4B342"/>
+                </a:solidFill>
+                <a:latin typeface="Tahoma Bold"/>
+                <a:ea typeface="Tahoma Bold"/>
+                <a:cs typeface="Tahoma Bold"/>
+                <a:sym typeface="Tahoma Bold"/>
+              </a:rPr>
+              <a:t>quả</a:t>
+            </a:r>
+            <a:r>
+              <a:rPr lang="en-US" sz="5600" b="1" dirty="0">
+                <a:solidFill>
+                  <a:srgbClr val="F4B342"/>
+                </a:solidFill>
+                <a:latin typeface="Tahoma Bold"/>
+                <a:ea typeface="Tahoma Bold"/>
+                <a:cs typeface="Tahoma Bold"/>
+                <a:sym typeface="Tahoma Bold"/>
+              </a:rPr>
+              <a:t> </a:t>
+            </a:r>
+            <a:r>
+              <a:rPr lang="en-US" sz="5600" b="1" dirty="0" err="1">
+                <a:solidFill>
+                  <a:srgbClr val="F4B342"/>
+                </a:solidFill>
+                <a:latin typeface="Tahoma Bold"/>
+                <a:ea typeface="Tahoma Bold"/>
+                <a:cs typeface="Tahoma Bold"/>
+                <a:sym typeface="Tahoma Bold"/>
+              </a:rPr>
+              <a:t>đạt</a:t>
+            </a:r>
+            <a:r>
+              <a:rPr lang="en-US" sz="5600" b="1" dirty="0">
+                <a:solidFill>
+                  <a:srgbClr val="F4B342"/>
+                </a:solidFill>
+                <a:latin typeface="Tahoma Bold"/>
+                <a:ea typeface="Tahoma Bold"/>
+                <a:cs typeface="Tahoma Bold"/>
+                <a:sym typeface="Tahoma Bold"/>
+              </a:rPr>
+              <a:t> </a:t>
+            </a:r>
+            <a:r>
+              <a:rPr lang="en-US" sz="5600" b="1" dirty="0" err="1">
+                <a:solidFill>
+                  <a:srgbClr val="F4B342"/>
+                </a:solidFill>
+                <a:latin typeface="Tahoma Bold"/>
+                <a:ea typeface="Tahoma Bold"/>
+                <a:cs typeface="Tahoma Bold"/>
+                <a:sym typeface="Tahoma Bold"/>
+              </a:rPr>
+              <a:t>được</a:t>
+            </a:r>
+            <a:endParaRPr lang="en-US" sz="5600" b="1" dirty="0">
+              <a:solidFill>
+                <a:srgbClr val="F4B342"/>
+              </a:solidFill>
+              <a:latin typeface="Tahoma Bold"/>
+              <a:ea typeface="Tahoma Bold"/>
+              <a:cs typeface="Tahoma Bold"/>
+              <a:sym typeface="Tahoma Bold"/>
+            </a:endParaRPr>
           </a:p>
         </p:txBody>
       </p:sp>
@@ -20099,7 +20192,7 @@
         <p:spPr>
           <a:xfrm>
             <a:off x="4663162" y="75565"/>
-            <a:ext cx="8595638" cy="897682"/>
+            <a:ext cx="8900438" cy="897682"/>
           </a:xfrm>
           <a:prstGeom prst="rect">
             <a:avLst/>
@@ -21469,7 +21562,7 @@
         <p:spPr>
           <a:xfrm>
             <a:off x="4663162" y="75565"/>
-            <a:ext cx="8214638" cy="897682"/>
+            <a:ext cx="8748038" cy="897682"/>
           </a:xfrm>
           <a:prstGeom prst="rect">
             <a:avLst/>
@@ -21650,14 +21743,14 @@
         <p:spPr>
           <a:xfrm>
             <a:off x="2339118" y="3107055"/>
-            <a:ext cx="1849173" cy="547370"/>
+            <a:ext cx="2080482" cy="517001"/>
           </a:xfrm>
           <a:prstGeom prst="rect">
             <a:avLst/>
           </a:prstGeom>
         </p:spPr>
         <p:txBody>
-          <a:bodyPr lIns="0" tIns="0" rIns="0" bIns="0" rtlCol="0" anchor="t">
+          <a:bodyPr wrap="square" lIns="0" tIns="0" rIns="0" bIns="0" rtlCol="0" anchor="t">
             <a:spAutoFit/>
           </a:bodyPr>
           <a:lstStyle/>
@@ -21671,7 +21764,7 @@
               </a:spcBef>
             </a:pPr>
             <a:r>
-              <a:rPr lang="en-US" sz="3199" b="1">
+              <a:rPr lang="en-US" sz="3199" b="1" dirty="0">
                 <a:solidFill>
                   <a:srgbClr val="000000"/>
                 </a:solidFill>
@@ -21694,14 +21787,14 @@
         <p:spPr>
           <a:xfrm>
             <a:off x="8155094" y="3147695"/>
-            <a:ext cx="1738180" cy="547370"/>
+            <a:ext cx="1827106" cy="517001"/>
           </a:xfrm>
           <a:prstGeom prst="rect">
             <a:avLst/>
           </a:prstGeom>
         </p:spPr>
         <p:txBody>
-          <a:bodyPr lIns="0" tIns="0" rIns="0" bIns="0" rtlCol="0" anchor="t">
+          <a:bodyPr wrap="square" lIns="0" tIns="0" rIns="0" bIns="0" rtlCol="0" anchor="t">
             <a:spAutoFit/>
           </a:bodyPr>
           <a:lstStyle/>
@@ -21715,7 +21808,7 @@
               </a:spcBef>
             </a:pPr>
             <a:r>
-              <a:rPr lang="en-US" sz="3199" b="1">
+              <a:rPr lang="en-US" sz="3199" b="1" dirty="0">
                 <a:solidFill>
                   <a:srgbClr val="000000"/>
                 </a:solidFill>
@@ -21738,14 +21831,14 @@
         <p:spPr>
           <a:xfrm>
             <a:off x="13274753" y="3066415"/>
-            <a:ext cx="3019822" cy="1109345"/>
+            <a:ext cx="3234072" cy="1094082"/>
           </a:xfrm>
           <a:prstGeom prst="rect">
             <a:avLst/>
           </a:prstGeom>
         </p:spPr>
         <p:txBody>
-          <a:bodyPr lIns="0" tIns="0" rIns="0" bIns="0" rtlCol="0" anchor="t">
+          <a:bodyPr wrap="square" lIns="0" tIns="0" rIns="0" bIns="0" rtlCol="0" anchor="t">
             <a:spAutoFit/>
           </a:bodyPr>
           <a:lstStyle/>
@@ -21756,7 +21849,7 @@
               </a:lnSpc>
             </a:pPr>
             <a:r>
-              <a:rPr lang="en-US" sz="3199" b="1">
+              <a:rPr lang="en-US" sz="3199" b="1" dirty="0">
                 <a:solidFill>
                   <a:srgbClr val="000000"/>
                 </a:solidFill>
@@ -21778,7 +21871,7 @@
               </a:spcBef>
             </a:pPr>
             <a:r>
-              <a:rPr lang="en-US" sz="3199" b="1">
+              <a:rPr lang="en-US" sz="3199" b="1" dirty="0">
                 <a:solidFill>
                   <a:srgbClr val="000000"/>
                 </a:solidFill>
@@ -22319,7 +22412,7 @@
         <p:spPr>
           <a:xfrm>
             <a:off x="4663162" y="75565"/>
-            <a:ext cx="8443238" cy="897682"/>
+            <a:ext cx="8595638" cy="897682"/>
           </a:xfrm>
           <a:prstGeom prst="rect">
             <a:avLst/>

--- a/thesis/abs/Bao cao thuyet trinh.pptx
+++ b/thesis/abs/Bao cao thuyet trinh.pptx
@@ -19,7 +19,7 @@
     <p:sldId id="267" r:id="rId14"/>
     <p:sldId id="268" r:id="rId15"/>
     <p:sldId id="269" r:id="rId16"/>
-    <p:sldId id="270" r:id="rId17"/>
+    <p:sldId id="274" r:id="rId17"/>
     <p:sldId id="271" r:id="rId18"/>
     <p:sldId id="272" r:id="rId19"/>
     <p:sldId id="273" r:id="rId20"/>
@@ -145,7 +145,7 @@
   <p:extLst>
     <p:ext uri="{EFAFB233-063F-42B5-8137-9DF3F51BA10A}">
       <p15:sldGuideLst xmlns:p15="http://schemas.microsoft.com/office/powerpoint/2012/main">
-        <p15:guide id="1" orient="horz" pos="2160" userDrawn="1">
+        <p15:guide id="1" orient="horz" pos="2182" userDrawn="1">
           <p15:clr>
             <a:srgbClr val="A4A3A4"/>
           </p15:clr>
@@ -5215,8 +5215,8 @@
         </p:nvSpPr>
         <p:spPr>
           <a:xfrm>
-            <a:off x="6293703" y="3689737"/>
-            <a:ext cx="6153110" cy="1243180"/>
+            <a:off x="6293485" y="3689985"/>
+            <a:ext cx="6361430" cy="733425"/>
           </a:xfrm>
           <a:prstGeom prst="line">
             <a:avLst/>
@@ -5239,8 +5239,8 @@
         </p:nvSpPr>
         <p:spPr>
           <a:xfrm flipV="1">
-            <a:off x="2572238" y="4904510"/>
-            <a:ext cx="13992296" cy="916462"/>
+            <a:off x="2572385" y="4723130"/>
+            <a:ext cx="14117955" cy="1097915"/>
           </a:xfrm>
           <a:prstGeom prst="line">
             <a:avLst/>
@@ -9600,416 +9600,6 @@
           </p:txBody>
         </p:sp>
       </p:grpSp>
-      <p:grpSp>
-        <p:nvGrpSpPr>
-          <p:cNvPr id="5" name="Group 5"/>
-          <p:cNvGrpSpPr>
-            <a:grpSpLocks noChangeAspect="1"/>
-          </p:cNvGrpSpPr>
-          <p:nvPr/>
-        </p:nvGrpSpPr>
-        <p:grpSpPr>
-          <a:xfrm>
-            <a:off x="7292090" y="3226379"/>
-            <a:ext cx="10412055" cy="5711858"/>
-            <a:chOff x="0" y="0"/>
-            <a:chExt cx="5908040" cy="3241040"/>
-          </a:xfrm>
-        </p:grpSpPr>
-        <p:sp>
-          <p:nvSpPr>
-            <p:cNvPr id="6" name="Freeform 6"/>
-            <p:cNvSpPr/>
-            <p:nvPr/>
-          </p:nvSpPr>
-          <p:spPr>
-            <a:xfrm>
-              <a:off x="10160" y="12700"/>
-              <a:ext cx="5895340" cy="186690"/>
-            </a:xfrm>
-            <a:custGeom>
-              <a:avLst/>
-              <a:gdLst/>
-              <a:ahLst/>
-              <a:cxnLst/>
-              <a:rect l="l" t="t" r="r" b="b"/>
-              <a:pathLst>
-                <a:path w="5895340" h="186690">
-                  <a:moveTo>
-                    <a:pt x="0" y="186690"/>
-                  </a:moveTo>
-                  <a:lnTo>
-                    <a:pt x="0" y="127000"/>
-                  </a:lnTo>
-                  <a:cubicBezTo>
-                    <a:pt x="0" y="57150"/>
-                    <a:pt x="57150" y="0"/>
-                    <a:pt x="127000" y="0"/>
-                  </a:cubicBezTo>
-                  <a:lnTo>
-                    <a:pt x="5768340" y="0"/>
-                  </a:lnTo>
-                  <a:cubicBezTo>
-                    <a:pt x="5838190" y="0"/>
-                    <a:pt x="5895340" y="57150"/>
-                    <a:pt x="5895340" y="127000"/>
-                  </a:cubicBezTo>
-                  <a:lnTo>
-                    <a:pt x="5895340" y="186690"/>
-                  </a:lnTo>
-                  <a:cubicBezTo>
-                    <a:pt x="5895340" y="186690"/>
-                    <a:pt x="0" y="186690"/>
-                    <a:pt x="0" y="186690"/>
-                  </a:cubicBezTo>
-                  <a:close/>
-                </a:path>
-              </a:pathLst>
-            </a:custGeom>
-            <a:solidFill>
-              <a:srgbClr val="F8DB52"/>
-            </a:solidFill>
-          </p:spPr>
-        </p:sp>
-        <p:sp>
-          <p:nvSpPr>
-            <p:cNvPr id="7" name="Freeform 7"/>
-            <p:cNvSpPr/>
-            <p:nvPr/>
-          </p:nvSpPr>
-          <p:spPr>
-            <a:xfrm>
-              <a:off x="6350" y="193040"/>
-              <a:ext cx="5895340" cy="3041650"/>
-            </a:xfrm>
-            <a:custGeom>
-              <a:avLst/>
-              <a:gdLst/>
-              <a:ahLst/>
-              <a:cxnLst/>
-              <a:rect l="l" t="t" r="r" b="b"/>
-              <a:pathLst>
-                <a:path w="5895340" h="3041650">
-                  <a:moveTo>
-                    <a:pt x="5768340" y="3041650"/>
-                  </a:moveTo>
-                  <a:lnTo>
-                    <a:pt x="127000" y="3041650"/>
-                  </a:lnTo>
-                  <a:cubicBezTo>
-                    <a:pt x="57150" y="3041650"/>
-                    <a:pt x="0" y="2984500"/>
-                    <a:pt x="0" y="2914650"/>
-                  </a:cubicBezTo>
-                  <a:lnTo>
-                    <a:pt x="0" y="0"/>
-                  </a:lnTo>
-                  <a:lnTo>
-                    <a:pt x="5895340" y="0"/>
-                  </a:lnTo>
-                  <a:lnTo>
-                    <a:pt x="5895340" y="2914650"/>
-                  </a:lnTo>
-                  <a:cubicBezTo>
-                    <a:pt x="5895340" y="2985770"/>
-                    <a:pt x="5838190" y="3041650"/>
-                    <a:pt x="5768340" y="3041650"/>
-                  </a:cubicBezTo>
-                  <a:close/>
-                </a:path>
-              </a:pathLst>
-            </a:custGeom>
-            <a:blipFill>
-              <a:blip r:embed="rId1"/>
-              <a:stretch>
-                <a:fillRect r="-7768"/>
-              </a:stretch>
-            </a:blipFill>
-          </p:spPr>
-        </p:sp>
-        <p:sp>
-          <p:nvSpPr>
-            <p:cNvPr id="8" name="Freeform 8"/>
-            <p:cNvSpPr/>
-            <p:nvPr/>
-          </p:nvSpPr>
-          <p:spPr>
-            <a:xfrm>
-              <a:off x="0" y="0"/>
-              <a:ext cx="5908040" cy="3241040"/>
-            </a:xfrm>
-            <a:custGeom>
-              <a:avLst/>
-              <a:gdLst/>
-              <a:ahLst/>
-              <a:cxnLst/>
-              <a:rect l="l" t="t" r="r" b="b"/>
-              <a:pathLst>
-                <a:path w="5908040" h="3241040">
-                  <a:moveTo>
-                    <a:pt x="5774690" y="0"/>
-                  </a:moveTo>
-                  <a:lnTo>
-                    <a:pt x="133350" y="0"/>
-                  </a:lnTo>
-                  <a:cubicBezTo>
-                    <a:pt x="59690" y="0"/>
-                    <a:pt x="0" y="59690"/>
-                    <a:pt x="0" y="133350"/>
-                  </a:cubicBezTo>
-                  <a:lnTo>
-                    <a:pt x="0" y="3107690"/>
-                  </a:lnTo>
-                  <a:cubicBezTo>
-                    <a:pt x="0" y="3181350"/>
-                    <a:pt x="59690" y="3241040"/>
-                    <a:pt x="133350" y="3241040"/>
-                  </a:cubicBezTo>
-                  <a:lnTo>
-                    <a:pt x="5774690" y="3241040"/>
-                  </a:lnTo>
-                  <a:cubicBezTo>
-                    <a:pt x="5848350" y="3241040"/>
-                    <a:pt x="5908040" y="3181350"/>
-                    <a:pt x="5908040" y="3107690"/>
-                  </a:cubicBezTo>
-                  <a:lnTo>
-                    <a:pt x="5908040" y="133350"/>
-                  </a:lnTo>
-                  <a:cubicBezTo>
-                    <a:pt x="5908040" y="59690"/>
-                    <a:pt x="5848350" y="0"/>
-                    <a:pt x="5774690" y="0"/>
-                  </a:cubicBezTo>
-                  <a:close/>
-                  <a:moveTo>
-                    <a:pt x="5895340" y="3107690"/>
-                  </a:moveTo>
-                  <a:cubicBezTo>
-                    <a:pt x="5895340" y="3175000"/>
-                    <a:pt x="5842000" y="3228340"/>
-                    <a:pt x="5774690" y="3228340"/>
-                  </a:cubicBezTo>
-                  <a:lnTo>
-                    <a:pt x="133350" y="3228340"/>
-                  </a:lnTo>
-                  <a:cubicBezTo>
-                    <a:pt x="67310" y="3228340"/>
-                    <a:pt x="12700" y="3173730"/>
-                    <a:pt x="12700" y="3107690"/>
-                  </a:cubicBezTo>
-                  <a:lnTo>
-                    <a:pt x="12700" y="199390"/>
-                  </a:lnTo>
-                  <a:lnTo>
-                    <a:pt x="5895340" y="199390"/>
-                  </a:lnTo>
-                  <a:lnTo>
-                    <a:pt x="5895340" y="3107690"/>
-                  </a:lnTo>
-                  <a:close/>
-                  <a:moveTo>
-                    <a:pt x="5895340" y="186690"/>
-                  </a:moveTo>
-                  <a:lnTo>
-                    <a:pt x="12700" y="186690"/>
-                  </a:lnTo>
-                  <a:lnTo>
-                    <a:pt x="12700" y="133350"/>
-                  </a:lnTo>
-                  <a:cubicBezTo>
-                    <a:pt x="12700" y="67310"/>
-                    <a:pt x="67310" y="12700"/>
-                    <a:pt x="133350" y="12700"/>
-                  </a:cubicBezTo>
-                  <a:lnTo>
-                    <a:pt x="5774690" y="12700"/>
-                  </a:lnTo>
-                  <a:cubicBezTo>
-                    <a:pt x="5840730" y="12700"/>
-                    <a:pt x="5895340" y="67310"/>
-                    <a:pt x="5895340" y="133350"/>
-                  </a:cubicBezTo>
-                  <a:lnTo>
-                    <a:pt x="5895340" y="186690"/>
-                  </a:lnTo>
-                  <a:close/>
-                </a:path>
-              </a:pathLst>
-            </a:custGeom>
-            <a:solidFill>
-              <a:srgbClr val="000000"/>
-            </a:solidFill>
-          </p:spPr>
-        </p:sp>
-        <p:sp>
-          <p:nvSpPr>
-            <p:cNvPr id="9" name="Freeform 9"/>
-            <p:cNvSpPr/>
-            <p:nvPr/>
-          </p:nvSpPr>
-          <p:spPr>
-            <a:xfrm>
-              <a:off x="149860" y="73660"/>
-              <a:ext cx="299720" cy="63500"/>
-            </a:xfrm>
-            <a:custGeom>
-              <a:avLst/>
-              <a:gdLst/>
-              <a:ahLst/>
-              <a:cxnLst/>
-              <a:rect l="l" t="t" r="r" b="b"/>
-              <a:pathLst>
-                <a:path w="299720" h="63500">
-                  <a:moveTo>
-                    <a:pt x="118110" y="0"/>
-                  </a:moveTo>
-                  <a:lnTo>
-                    <a:pt x="181610" y="0"/>
-                  </a:lnTo>
-                  <a:lnTo>
-                    <a:pt x="181610" y="63500"/>
-                  </a:lnTo>
-                  <a:lnTo>
-                    <a:pt x="118110" y="63500"/>
-                  </a:lnTo>
-                  <a:lnTo>
-                    <a:pt x="118110" y="0"/>
-                  </a:lnTo>
-                  <a:close/>
-                  <a:moveTo>
-                    <a:pt x="31750" y="0"/>
-                  </a:moveTo>
-                  <a:cubicBezTo>
-                    <a:pt x="49530" y="0"/>
-                    <a:pt x="63500" y="13970"/>
-                    <a:pt x="63500" y="31750"/>
-                  </a:cubicBezTo>
-                  <a:cubicBezTo>
-                    <a:pt x="63500" y="49530"/>
-                    <a:pt x="49530" y="63500"/>
-                    <a:pt x="31750" y="63500"/>
-                  </a:cubicBezTo>
-                  <a:cubicBezTo>
-                    <a:pt x="13970" y="63500"/>
-                    <a:pt x="0" y="49530"/>
-                    <a:pt x="0" y="31750"/>
-                  </a:cubicBezTo>
-                  <a:cubicBezTo>
-                    <a:pt x="0" y="13970"/>
-                    <a:pt x="13970" y="0"/>
-                    <a:pt x="31750" y="0"/>
-                  </a:cubicBezTo>
-                  <a:close/>
-                  <a:moveTo>
-                    <a:pt x="267970" y="0"/>
-                  </a:moveTo>
-                  <a:lnTo>
-                    <a:pt x="236220" y="63500"/>
-                  </a:lnTo>
-                  <a:lnTo>
-                    <a:pt x="299720" y="63500"/>
-                  </a:lnTo>
-                  <a:lnTo>
-                    <a:pt x="267970" y="0"/>
-                  </a:lnTo>
-                  <a:close/>
-                </a:path>
-              </a:pathLst>
-            </a:custGeom>
-            <a:solidFill>
-              <a:srgbClr val="484FA2"/>
-            </a:solidFill>
-          </p:spPr>
-        </p:sp>
-        <p:sp>
-          <p:nvSpPr>
-            <p:cNvPr id="10" name="Freeform 10"/>
-            <p:cNvSpPr/>
-            <p:nvPr/>
-          </p:nvSpPr>
-          <p:spPr>
-            <a:xfrm>
-              <a:off x="591820" y="88900"/>
-              <a:ext cx="5175250" cy="33020"/>
-            </a:xfrm>
-            <a:custGeom>
-              <a:avLst/>
-              <a:gdLst/>
-              <a:ahLst/>
-              <a:cxnLst/>
-              <a:rect l="l" t="t" r="r" b="b"/>
-              <a:pathLst>
-                <a:path w="5175250" h="33020">
-                  <a:moveTo>
-                    <a:pt x="5158740" y="33020"/>
-                  </a:moveTo>
-                  <a:lnTo>
-                    <a:pt x="16510" y="33020"/>
-                  </a:lnTo>
-                  <a:cubicBezTo>
-                    <a:pt x="7620" y="33020"/>
-                    <a:pt x="0" y="25400"/>
-                    <a:pt x="0" y="16510"/>
-                  </a:cubicBezTo>
-                  <a:lnTo>
-                    <a:pt x="0" y="16510"/>
-                  </a:lnTo>
-                  <a:cubicBezTo>
-                    <a:pt x="0" y="7620"/>
-                    <a:pt x="7620" y="0"/>
-                    <a:pt x="16510" y="0"/>
-                  </a:cubicBezTo>
-                  <a:lnTo>
-                    <a:pt x="5158740" y="0"/>
-                  </a:lnTo>
-                  <a:cubicBezTo>
-                    <a:pt x="5167630" y="0"/>
-                    <a:pt x="5175250" y="7620"/>
-                    <a:pt x="5175250" y="16510"/>
-                  </a:cubicBezTo>
-                  <a:lnTo>
-                    <a:pt x="5175250" y="16510"/>
-                  </a:lnTo>
-                  <a:cubicBezTo>
-                    <a:pt x="5173980" y="25400"/>
-                    <a:pt x="5167630" y="33020"/>
-                    <a:pt x="5158740" y="33020"/>
-                  </a:cubicBezTo>
-                  <a:close/>
-                </a:path>
-              </a:pathLst>
-            </a:custGeom>
-            <a:solidFill>
-              <a:srgbClr val="F26D6F"/>
-            </a:solidFill>
-          </p:spPr>
-        </p:sp>
-      </p:grpSp>
-      <p:sp>
-        <p:nvSpPr>
-          <p:cNvPr id="11" name="AutoShape 11"/>
-          <p:cNvSpPr/>
-          <p:nvPr/>
-        </p:nvSpPr>
-        <p:spPr>
-          <a:xfrm>
-            <a:off x="3124199" y="5723321"/>
-            <a:ext cx="10124853" cy="373600"/>
-          </a:xfrm>
-          <a:prstGeom prst="line">
-            <a:avLst/>
-          </a:prstGeom>
-          <a:ln w="38100" cap="flat">
-            <a:solidFill>
-              <a:srgbClr val="000000"/>
-            </a:solidFill>
-            <a:prstDash val="solid"/>
-            <a:headEnd type="none" w="sm" len="sm"/>
-            <a:tailEnd type="none" w="sm" len="sm"/>
-          </a:ln>
-        </p:spPr>
-      </p:sp>
       <p:sp>
         <p:nvSpPr>
           <p:cNvPr id="12" name="TextBox 12"/>
@@ -10019,7 +9609,7 @@
         <p:spPr>
           <a:xfrm>
             <a:off x="5188863" y="75565"/>
-            <a:ext cx="6988493" cy="953135"/>
+            <a:ext cx="6988493" cy="1005205"/>
           </a:xfrm>
           <a:prstGeom prst="rect">
             <a:avLst/>
@@ -10065,14 +9655,14 @@
       </p:sp>
       <p:sp>
         <p:nvSpPr>
-          <p:cNvPr id="13" name="TextBox 13"/>
+          <p:cNvPr id="15" name="TextBox 12"/>
           <p:cNvSpPr txBox="1"/>
           <p:nvPr/>
         </p:nvSpPr>
         <p:spPr>
           <a:xfrm>
-            <a:off x="789069" y="1496971"/>
-            <a:ext cx="11926584" cy="669926"/>
+            <a:off x="4419600" y="4762500"/>
+            <a:ext cx="9988550" cy="2085340"/>
           </a:xfrm>
           <a:prstGeom prst="rect">
             <a:avLst/>
@@ -10080,446 +9670,33 @@
         </p:spPr>
         <p:txBody>
           <a:bodyPr lIns="0" tIns="0" rIns="0" bIns="0" rtlCol="0" anchor="t">
-            <a:spAutoFit/>
+            <a:noAutofit/>
           </a:bodyPr>
           <a:lstStyle/>
           <a:p>
-            <a:pPr algn="l">
+            <a:pPr algn="ctr">
               <a:lnSpc>
-                <a:spcPts val="5600"/>
+                <a:spcPts val="7840"/>
               </a:lnSpc>
               <a:spcBef>
                 <a:spcPct val="0"/>
               </a:spcBef>
             </a:pPr>
             <a:r>
-              <a:rPr lang="en-US" sz="4000" b="1">
-                <a:solidFill>
-                  <a:srgbClr val="360185"/>
-                </a:solidFill>
-                <a:latin typeface="Tahoma Bold" panose="020B0804030504040204"/>
-                <a:ea typeface="Tahoma Bold" panose="020B0804030504040204"/>
-                <a:cs typeface="Tahoma Bold" panose="020B0804030504040204"/>
-                <a:sym typeface="Tahoma Bold" panose="020B0804030504040204"/>
-              </a:rPr>
-              <a:t>Hỗ trợ quản trị viên quản lý hệ thống</a:t>
-            </a:r>
-            <a:endParaRPr lang="en-US" sz="4000" b="1">
+              <a:rPr lang="vi-VN" altLang="en-US" sz="8800" b="1">
+                <a:solidFill>
+                  <a:srgbClr val="F4B342"/>
+                </a:solidFill>
+                <a:latin typeface="Tahoma Bold" panose="020B0804030504040204"/>
+                <a:ea typeface="Tahoma Bold" panose="020B0804030504040204"/>
+                <a:cs typeface="Tahoma Bold" panose="020B0804030504040204"/>
+                <a:sym typeface="Tahoma Bold" panose="020B0804030504040204"/>
+              </a:rPr>
+              <a:t>Demo</a:t>
+            </a:r>
+            <a:endParaRPr lang="vi-VN" altLang="en-US" sz="8800" b="1">
               <a:solidFill>
-                <a:srgbClr val="360185"/>
-              </a:solidFill>
-              <a:latin typeface="Tahoma Bold" panose="020B0804030504040204"/>
-              <a:ea typeface="Tahoma Bold" panose="020B0804030504040204"/>
-              <a:cs typeface="Tahoma Bold" panose="020B0804030504040204"/>
-              <a:sym typeface="Tahoma Bold" panose="020B0804030504040204"/>
-            </a:endParaRPr>
-          </a:p>
-        </p:txBody>
-      </p:sp>
-      <p:sp>
-        <p:nvSpPr>
-          <p:cNvPr id="14" name="TextBox 14"/>
-          <p:cNvSpPr txBox="1"/>
-          <p:nvPr/>
-        </p:nvSpPr>
-        <p:spPr>
-          <a:xfrm>
-            <a:off x="742281" y="4161533"/>
-            <a:ext cx="4609690" cy="1243965"/>
-          </a:xfrm>
-          <a:prstGeom prst="rect">
-            <a:avLst/>
-          </a:prstGeom>
-        </p:spPr>
-        <p:txBody>
-          <a:bodyPr lIns="0" tIns="0" rIns="0" bIns="0" rtlCol="0" anchor="t">
-            <a:spAutoFit/>
-          </a:bodyPr>
-          <a:lstStyle/>
-          <a:p>
-            <a:pPr algn="l">
-              <a:lnSpc>
-                <a:spcPts val="3360"/>
-              </a:lnSpc>
-              <a:spcBef>
-                <a:spcPct val="0"/>
-              </a:spcBef>
-            </a:pPr>
-            <a:r>
-              <a:rPr lang="en-US" sz="2400" b="1" dirty="0" err="1">
-                <a:solidFill>
-                  <a:srgbClr val="000000"/>
-                </a:solidFill>
-                <a:latin typeface="Tahoma Bold" panose="020B0804030504040204"/>
-                <a:ea typeface="Tahoma Bold" panose="020B0804030504040204"/>
-                <a:cs typeface="Tahoma Bold" panose="020B0804030504040204"/>
-                <a:sym typeface="Tahoma Bold" panose="020B0804030504040204"/>
-              </a:rPr>
-              <a:t>Thống</a:t>
-            </a:r>
-            <a:r>
-              <a:rPr lang="en-US" sz="2400" b="1" dirty="0">
-                <a:solidFill>
-                  <a:srgbClr val="000000"/>
-                </a:solidFill>
-                <a:latin typeface="Tahoma Bold" panose="020B0804030504040204"/>
-                <a:ea typeface="Tahoma Bold" panose="020B0804030504040204"/>
-                <a:cs typeface="Tahoma Bold" panose="020B0804030504040204"/>
-                <a:sym typeface="Tahoma Bold" panose="020B0804030504040204"/>
-              </a:rPr>
-              <a:t> </a:t>
-            </a:r>
-            <a:r>
-              <a:rPr lang="en-US" sz="2400" b="1" dirty="0" err="1">
-                <a:solidFill>
-                  <a:srgbClr val="000000"/>
-                </a:solidFill>
-                <a:latin typeface="Tahoma Bold" panose="020B0804030504040204"/>
-                <a:ea typeface="Tahoma Bold" panose="020B0804030504040204"/>
-                <a:cs typeface="Tahoma Bold" panose="020B0804030504040204"/>
-                <a:sym typeface="Tahoma Bold" panose="020B0804030504040204"/>
-              </a:rPr>
-              <a:t>kê</a:t>
-            </a:r>
-            <a:r>
-              <a:rPr lang="en-US" sz="2400" b="1" dirty="0">
-                <a:solidFill>
-                  <a:srgbClr val="000000"/>
-                </a:solidFill>
-                <a:latin typeface="Tahoma Bold" panose="020B0804030504040204"/>
-                <a:ea typeface="Tahoma Bold" panose="020B0804030504040204"/>
-                <a:cs typeface="Tahoma Bold" panose="020B0804030504040204"/>
-                <a:sym typeface="Tahoma Bold" panose="020B0804030504040204"/>
-              </a:rPr>
-              <a:t> </a:t>
-            </a:r>
-            <a:r>
-              <a:rPr lang="en-US" sz="2400" b="1" dirty="0" err="1">
-                <a:solidFill>
-                  <a:srgbClr val="000000"/>
-                </a:solidFill>
-                <a:latin typeface="Tahoma Bold" panose="020B0804030504040204"/>
-                <a:ea typeface="Tahoma Bold" panose="020B0804030504040204"/>
-                <a:cs typeface="Tahoma Bold" panose="020B0804030504040204"/>
-                <a:sym typeface="Tahoma Bold" panose="020B0804030504040204"/>
-              </a:rPr>
-              <a:t>thông</a:t>
-            </a:r>
-            <a:r>
-              <a:rPr lang="en-US" sz="2400" b="1" dirty="0">
-                <a:solidFill>
-                  <a:srgbClr val="000000"/>
-                </a:solidFill>
-                <a:latin typeface="Tahoma Bold" panose="020B0804030504040204"/>
-                <a:ea typeface="Tahoma Bold" panose="020B0804030504040204"/>
-                <a:cs typeface="Tahoma Bold" panose="020B0804030504040204"/>
-                <a:sym typeface="Tahoma Bold" panose="020B0804030504040204"/>
-              </a:rPr>
-              <a:t> tin </a:t>
-            </a:r>
-            <a:r>
-              <a:rPr lang="en-US" sz="2400" b="1" dirty="0" err="1">
-                <a:solidFill>
-                  <a:srgbClr val="000000"/>
-                </a:solidFill>
-                <a:latin typeface="Tahoma Bold" panose="020B0804030504040204"/>
-                <a:ea typeface="Tahoma Bold" panose="020B0804030504040204"/>
-                <a:cs typeface="Tahoma Bold" panose="020B0804030504040204"/>
-                <a:sym typeface="Tahoma Bold" panose="020B0804030504040204"/>
-              </a:rPr>
-              <a:t>hệ</a:t>
-            </a:r>
-            <a:r>
-              <a:rPr lang="en-US" sz="2400" b="1" dirty="0">
-                <a:solidFill>
-                  <a:srgbClr val="000000"/>
-                </a:solidFill>
-                <a:latin typeface="Tahoma Bold" panose="020B0804030504040204"/>
-                <a:ea typeface="Tahoma Bold" panose="020B0804030504040204"/>
-                <a:cs typeface="Tahoma Bold" panose="020B0804030504040204"/>
-                <a:sym typeface="Tahoma Bold" panose="020B0804030504040204"/>
-              </a:rPr>
-              <a:t> </a:t>
-            </a:r>
-            <a:r>
-              <a:rPr lang="en-US" sz="2400" b="1" dirty="0" err="1">
-                <a:solidFill>
-                  <a:srgbClr val="000000"/>
-                </a:solidFill>
-                <a:latin typeface="Tahoma Bold" panose="020B0804030504040204"/>
-                <a:ea typeface="Tahoma Bold" panose="020B0804030504040204"/>
-                <a:cs typeface="Tahoma Bold" panose="020B0804030504040204"/>
-                <a:sym typeface="Tahoma Bold" panose="020B0804030504040204"/>
-              </a:rPr>
-              <a:t>thông</a:t>
-            </a:r>
-            <a:r>
-              <a:rPr lang="en-US" sz="2400" b="1" dirty="0">
-                <a:solidFill>
-                  <a:srgbClr val="000000"/>
-                </a:solidFill>
-                <a:latin typeface="Tahoma Bold" panose="020B0804030504040204"/>
-                <a:ea typeface="Tahoma Bold" panose="020B0804030504040204"/>
-                <a:cs typeface="Tahoma Bold" panose="020B0804030504040204"/>
-                <a:sym typeface="Tahoma Bold" panose="020B0804030504040204"/>
-              </a:rPr>
-              <a:t> </a:t>
-            </a:r>
-            <a:r>
-              <a:rPr lang="en-US" sz="2400" b="1" dirty="0" err="1">
-                <a:solidFill>
-                  <a:srgbClr val="000000"/>
-                </a:solidFill>
-                <a:latin typeface="Tahoma Bold" panose="020B0804030504040204"/>
-                <a:ea typeface="Tahoma Bold" panose="020B0804030504040204"/>
-                <a:cs typeface="Tahoma Bold" panose="020B0804030504040204"/>
-                <a:sym typeface="Tahoma Bold" panose="020B0804030504040204"/>
-              </a:rPr>
-              <a:t>và</a:t>
-            </a:r>
-            <a:r>
-              <a:rPr lang="en-US" sz="2400" b="1" dirty="0">
-                <a:solidFill>
-                  <a:srgbClr val="000000"/>
-                </a:solidFill>
-                <a:latin typeface="Tahoma Bold" panose="020B0804030504040204"/>
-                <a:ea typeface="Tahoma Bold" panose="020B0804030504040204"/>
-                <a:cs typeface="Tahoma Bold" panose="020B0804030504040204"/>
-                <a:sym typeface="Tahoma Bold" panose="020B0804030504040204"/>
-              </a:rPr>
-              <a:t> </a:t>
-            </a:r>
-            <a:r>
-              <a:rPr lang="en-US" sz="2400" b="1" dirty="0" err="1">
-                <a:solidFill>
-                  <a:srgbClr val="000000"/>
-                </a:solidFill>
-                <a:latin typeface="Tahoma Bold" panose="020B0804030504040204"/>
-                <a:ea typeface="Tahoma Bold" panose="020B0804030504040204"/>
-                <a:cs typeface="Tahoma Bold" panose="020B0804030504040204"/>
-                <a:sym typeface="Tahoma Bold" panose="020B0804030504040204"/>
-              </a:rPr>
-              <a:t>cung</a:t>
-            </a:r>
-            <a:r>
-              <a:rPr lang="en-US" sz="2400" b="1" dirty="0">
-                <a:solidFill>
-                  <a:srgbClr val="000000"/>
-                </a:solidFill>
-                <a:latin typeface="Tahoma Bold" panose="020B0804030504040204"/>
-                <a:ea typeface="Tahoma Bold" panose="020B0804030504040204"/>
-                <a:cs typeface="Tahoma Bold" panose="020B0804030504040204"/>
-                <a:sym typeface="Tahoma Bold" panose="020B0804030504040204"/>
-              </a:rPr>
-              <a:t> </a:t>
-            </a:r>
-            <a:r>
-              <a:rPr lang="en-US" sz="2400" b="1" dirty="0" err="1">
-                <a:solidFill>
-                  <a:srgbClr val="000000"/>
-                </a:solidFill>
-                <a:latin typeface="Tahoma Bold" panose="020B0804030504040204"/>
-                <a:ea typeface="Tahoma Bold" panose="020B0804030504040204"/>
-                <a:cs typeface="Tahoma Bold" panose="020B0804030504040204"/>
-                <a:sym typeface="Tahoma Bold" panose="020B0804030504040204"/>
-              </a:rPr>
-              <a:t>cấp</a:t>
-            </a:r>
-            <a:r>
-              <a:rPr lang="en-US" sz="2400" b="1" dirty="0">
-                <a:solidFill>
-                  <a:srgbClr val="000000"/>
-                </a:solidFill>
-                <a:latin typeface="Tahoma Bold" panose="020B0804030504040204"/>
-                <a:ea typeface="Tahoma Bold" panose="020B0804030504040204"/>
-                <a:cs typeface="Tahoma Bold" panose="020B0804030504040204"/>
-                <a:sym typeface="Tahoma Bold" panose="020B0804030504040204"/>
-              </a:rPr>
-              <a:t> </a:t>
-            </a:r>
-            <a:r>
-              <a:rPr lang="en-US" sz="2400" b="1" dirty="0" err="1">
-                <a:solidFill>
-                  <a:srgbClr val="000000"/>
-                </a:solidFill>
-                <a:latin typeface="Tahoma Bold" panose="020B0804030504040204"/>
-                <a:ea typeface="Tahoma Bold" panose="020B0804030504040204"/>
-                <a:cs typeface="Tahoma Bold" panose="020B0804030504040204"/>
-                <a:sym typeface="Tahoma Bold" panose="020B0804030504040204"/>
-              </a:rPr>
-              <a:t>các</a:t>
-            </a:r>
-            <a:r>
-              <a:rPr lang="en-US" sz="2400" b="1" dirty="0">
-                <a:solidFill>
-                  <a:srgbClr val="000000"/>
-                </a:solidFill>
-                <a:latin typeface="Tahoma Bold" panose="020B0804030504040204"/>
-                <a:ea typeface="Tahoma Bold" panose="020B0804030504040204"/>
-                <a:cs typeface="Tahoma Bold" panose="020B0804030504040204"/>
-                <a:sym typeface="Tahoma Bold" panose="020B0804030504040204"/>
-              </a:rPr>
-              <a:t> </a:t>
-            </a:r>
-            <a:r>
-              <a:rPr lang="en-US" sz="2400" b="1" dirty="0" err="1">
-                <a:solidFill>
-                  <a:srgbClr val="000000"/>
-                </a:solidFill>
-                <a:latin typeface="Tahoma Bold" panose="020B0804030504040204"/>
-                <a:ea typeface="Tahoma Bold" panose="020B0804030504040204"/>
-                <a:cs typeface="Tahoma Bold" panose="020B0804030504040204"/>
-                <a:sym typeface="Tahoma Bold" panose="020B0804030504040204"/>
-              </a:rPr>
-              <a:t>chức</a:t>
-            </a:r>
-            <a:r>
-              <a:rPr lang="en-US" sz="2400" b="1" dirty="0">
-                <a:solidFill>
-                  <a:srgbClr val="000000"/>
-                </a:solidFill>
-                <a:latin typeface="Tahoma Bold" panose="020B0804030504040204"/>
-                <a:ea typeface="Tahoma Bold" panose="020B0804030504040204"/>
-                <a:cs typeface="Tahoma Bold" panose="020B0804030504040204"/>
-                <a:sym typeface="Tahoma Bold" panose="020B0804030504040204"/>
-              </a:rPr>
-              <a:t> </a:t>
-            </a:r>
-            <a:r>
-              <a:rPr lang="en-US" sz="2400" b="1" dirty="0" err="1">
-                <a:solidFill>
-                  <a:srgbClr val="000000"/>
-                </a:solidFill>
-                <a:latin typeface="Tahoma Bold" panose="020B0804030504040204"/>
-                <a:ea typeface="Tahoma Bold" panose="020B0804030504040204"/>
-                <a:cs typeface="Tahoma Bold" panose="020B0804030504040204"/>
-                <a:sym typeface="Tahoma Bold" panose="020B0804030504040204"/>
-              </a:rPr>
-              <a:t>năng</a:t>
-            </a:r>
-            <a:r>
-              <a:rPr lang="en-US" sz="2400" b="1" dirty="0">
-                <a:solidFill>
-                  <a:srgbClr val="000000"/>
-                </a:solidFill>
-                <a:latin typeface="Tahoma Bold" panose="020B0804030504040204"/>
-                <a:ea typeface="Tahoma Bold" panose="020B0804030504040204"/>
-                <a:cs typeface="Tahoma Bold" panose="020B0804030504040204"/>
-                <a:sym typeface="Tahoma Bold" panose="020B0804030504040204"/>
-              </a:rPr>
-              <a:t> </a:t>
-            </a:r>
-            <a:r>
-              <a:rPr lang="en-US" sz="2400" b="1" dirty="0" err="1">
-                <a:solidFill>
-                  <a:srgbClr val="000000"/>
-                </a:solidFill>
-                <a:latin typeface="Tahoma Bold" panose="020B0804030504040204"/>
-                <a:ea typeface="Tahoma Bold" panose="020B0804030504040204"/>
-                <a:cs typeface="Tahoma Bold" panose="020B0804030504040204"/>
-                <a:sym typeface="Tahoma Bold" panose="020B0804030504040204"/>
-              </a:rPr>
-              <a:t>để</a:t>
-            </a:r>
-            <a:r>
-              <a:rPr lang="en-US" sz="2400" b="1" dirty="0">
-                <a:solidFill>
-                  <a:srgbClr val="000000"/>
-                </a:solidFill>
-                <a:latin typeface="Tahoma Bold" panose="020B0804030504040204"/>
-                <a:ea typeface="Tahoma Bold" panose="020B0804030504040204"/>
-                <a:cs typeface="Tahoma Bold" panose="020B0804030504040204"/>
-                <a:sym typeface="Tahoma Bold" panose="020B0804030504040204"/>
-              </a:rPr>
-              <a:t> </a:t>
-            </a:r>
-            <a:r>
-              <a:rPr lang="en-US" sz="2400" b="1" dirty="0" err="1">
-                <a:solidFill>
-                  <a:srgbClr val="000000"/>
-                </a:solidFill>
-                <a:latin typeface="Tahoma Bold" panose="020B0804030504040204"/>
-                <a:ea typeface="Tahoma Bold" panose="020B0804030504040204"/>
-                <a:cs typeface="Tahoma Bold" panose="020B0804030504040204"/>
-                <a:sym typeface="Tahoma Bold" panose="020B0804030504040204"/>
-              </a:rPr>
-              <a:t>quản</a:t>
-            </a:r>
-            <a:r>
-              <a:rPr lang="en-US" sz="2400" b="1" dirty="0">
-                <a:solidFill>
-                  <a:srgbClr val="000000"/>
-                </a:solidFill>
-                <a:latin typeface="Tahoma Bold" panose="020B0804030504040204"/>
-                <a:ea typeface="Tahoma Bold" panose="020B0804030504040204"/>
-                <a:cs typeface="Tahoma Bold" panose="020B0804030504040204"/>
-                <a:sym typeface="Tahoma Bold" panose="020B0804030504040204"/>
-              </a:rPr>
-              <a:t> </a:t>
-            </a:r>
-            <a:r>
-              <a:rPr lang="en-US" sz="2400" b="1" dirty="0" err="1">
-                <a:solidFill>
-                  <a:srgbClr val="000000"/>
-                </a:solidFill>
-                <a:latin typeface="Tahoma Bold" panose="020B0804030504040204"/>
-                <a:ea typeface="Tahoma Bold" panose="020B0804030504040204"/>
-                <a:cs typeface="Tahoma Bold" panose="020B0804030504040204"/>
-                <a:sym typeface="Tahoma Bold" panose="020B0804030504040204"/>
-              </a:rPr>
-              <a:t>lý</a:t>
-            </a:r>
-            <a:r>
-              <a:rPr lang="en-US" sz="2400" b="1" dirty="0">
-                <a:solidFill>
-                  <a:srgbClr val="000000"/>
-                </a:solidFill>
-                <a:latin typeface="Tahoma Bold" panose="020B0804030504040204"/>
-                <a:ea typeface="Tahoma Bold" panose="020B0804030504040204"/>
-                <a:cs typeface="Tahoma Bold" panose="020B0804030504040204"/>
-                <a:sym typeface="Tahoma Bold" panose="020B0804030504040204"/>
-              </a:rPr>
-              <a:t> </a:t>
-            </a:r>
-            <a:r>
-              <a:rPr lang="en-US" sz="2400" b="1" dirty="0" err="1">
-                <a:solidFill>
-                  <a:srgbClr val="000000"/>
-                </a:solidFill>
-                <a:latin typeface="Tahoma Bold" panose="020B0804030504040204"/>
-                <a:ea typeface="Tahoma Bold" panose="020B0804030504040204"/>
-                <a:cs typeface="Tahoma Bold" panose="020B0804030504040204"/>
-                <a:sym typeface="Tahoma Bold" panose="020B0804030504040204"/>
-              </a:rPr>
-              <a:t>hệ</a:t>
-            </a:r>
-            <a:r>
-              <a:rPr lang="en-US" sz="2400" b="1" dirty="0">
-                <a:solidFill>
-                  <a:srgbClr val="000000"/>
-                </a:solidFill>
-                <a:latin typeface="Tahoma Bold" panose="020B0804030504040204"/>
-                <a:ea typeface="Tahoma Bold" panose="020B0804030504040204"/>
-                <a:cs typeface="Tahoma Bold" panose="020B0804030504040204"/>
-                <a:sym typeface="Tahoma Bold" panose="020B0804030504040204"/>
-              </a:rPr>
-              <a:t> </a:t>
-            </a:r>
-            <a:r>
-              <a:rPr lang="en-US" sz="2400" b="1" dirty="0" err="1">
-                <a:solidFill>
-                  <a:srgbClr val="000000"/>
-                </a:solidFill>
-                <a:latin typeface="Tahoma Bold" panose="020B0804030504040204"/>
-                <a:ea typeface="Tahoma Bold" panose="020B0804030504040204"/>
-                <a:cs typeface="Tahoma Bold" panose="020B0804030504040204"/>
-                <a:sym typeface="Tahoma Bold" panose="020B0804030504040204"/>
-              </a:rPr>
-              <a:t>thống</a:t>
-            </a:r>
-            <a:endParaRPr lang="en-US" sz="2400" b="1" dirty="0">
-              <a:solidFill>
-                <a:srgbClr val="000000"/>
+                <a:srgbClr val="F4B342"/>
               </a:solidFill>
               <a:latin typeface="Tahoma Bold" panose="020B0804030504040204"/>
               <a:ea typeface="Tahoma Bold" panose="020B0804030504040204"/>
@@ -10644,7 +9821,7 @@
         </p:nvSpPr>
         <p:spPr>
           <a:xfrm>
-            <a:off x="1126398" y="6385728"/>
+            <a:off x="1194343" y="5600868"/>
             <a:ext cx="1065465" cy="867870"/>
           </a:xfrm>
           <a:custGeom>
@@ -10687,6 +9864,12 @@
             </a:stretch>
           </a:blipFill>
         </p:spPr>
+        <p:txBody>
+          <a:bodyPr/>
+          <a:p>
+            <a:endParaRPr lang="en-US"/>
+          </a:p>
+        </p:txBody>
       </p:sp>
       <p:sp>
         <p:nvSpPr>
@@ -10696,7 +9879,7 @@
         </p:nvSpPr>
         <p:spPr>
           <a:xfrm>
-            <a:off x="1191035" y="7844547"/>
+            <a:off x="1194210" y="6958087"/>
             <a:ext cx="936191" cy="1019614"/>
           </a:xfrm>
           <a:custGeom>
@@ -10748,7 +9931,7 @@
         </p:nvSpPr>
         <p:spPr>
           <a:xfrm>
-            <a:off x="1126398" y="4537488"/>
+            <a:off x="1163228" y="4076478"/>
             <a:ext cx="963744" cy="976168"/>
           </a:xfrm>
           <a:custGeom>
@@ -10800,7 +9983,7 @@
         </p:nvGrpSpPr>
         <p:grpSpPr>
           <a:xfrm>
-            <a:off x="10994654" y="2549498"/>
+            <a:off x="10994654" y="2701898"/>
             <a:ext cx="6782361" cy="6852162"/>
             <a:chOff x="0" y="0"/>
             <a:chExt cx="1786301" cy="1804685"/>
@@ -11024,15 +10207,15 @@
         </p:nvSpPr>
         <p:spPr>
           <a:xfrm>
-            <a:off x="2455497" y="4285811"/>
-            <a:ext cx="8539157" cy="4578350"/>
+            <a:off x="2492375" y="3824605"/>
+            <a:ext cx="8350250" cy="4201160"/>
           </a:xfrm>
           <a:prstGeom prst="rect">
             <a:avLst/>
           </a:prstGeom>
         </p:spPr>
         <p:txBody>
-          <a:bodyPr lIns="0" tIns="0" rIns="0" bIns="0" rtlCol="0" anchor="t">
+          <a:bodyPr wrap="square" lIns="0" tIns="0" rIns="0" bIns="0" rtlCol="0" anchor="t">
             <a:spAutoFit/>
           </a:bodyPr>
           <a:lstStyle/>
@@ -11148,7 +10331,7 @@
                 <a:cs typeface="Tahoma" panose="020B0604030504040204"/>
                 <a:sym typeface="Tahoma" panose="020B0604030504040204"/>
               </a:rPr>
-              <a:t> Website </a:t>
+              <a:t> </a:t>
             </a:r>
             <a:r>
               <a:rPr lang="en-US" sz="2800" dirty="0" err="1">
@@ -12235,15 +11418,15 @@
         </p:nvSpPr>
         <p:spPr>
           <a:xfrm>
-            <a:off x="1279161" y="2482823"/>
-            <a:ext cx="7931979" cy="1481455"/>
+            <a:off x="1278890" y="2482850"/>
+            <a:ext cx="9357360" cy="1005205"/>
           </a:xfrm>
           <a:prstGeom prst="rect">
             <a:avLst/>
           </a:prstGeom>
         </p:spPr>
         <p:txBody>
-          <a:bodyPr lIns="0" tIns="0" rIns="0" bIns="0" rtlCol="0" anchor="t">
+          <a:bodyPr wrap="square" lIns="0" tIns="0" rIns="0" bIns="0" rtlCol="0" anchor="t">
             <a:spAutoFit/>
           </a:bodyPr>
           <a:lstStyle/>
@@ -12266,7 +11449,55 @@
                 <a:cs typeface="Tahoma Bold" panose="020B0804030504040204"/>
                 <a:sym typeface="Tahoma Bold" panose="020B0804030504040204"/>
               </a:rPr>
-              <a:t>Đề tài đã hoàn thành các mục tiêu đề ra, Xây dựng thành công mộn hệ thống hỗ trợ học tập hoàn chỉnh:</a:t>
+              <a:t>Đề tài đã hoàn thành các mục tiêu đề ra, </a:t>
+            </a:r>
+            <a:r>
+              <a:rPr lang="vi-VN" altLang="en-US" sz="2800" b="1">
+                <a:solidFill>
+                  <a:srgbClr val="000000"/>
+                </a:solidFill>
+                <a:latin typeface="Tahoma Bold" panose="020B0804030504040204"/>
+                <a:ea typeface="Tahoma Bold" panose="020B0804030504040204"/>
+                <a:cs typeface="Tahoma Bold" panose="020B0804030504040204"/>
+                <a:sym typeface="Tahoma Bold" panose="020B0804030504040204"/>
+              </a:rPr>
+              <a:t>x</a:t>
+            </a:r>
+            <a:r>
+              <a:rPr lang="en-US" sz="2800" b="1">
+                <a:solidFill>
+                  <a:srgbClr val="000000"/>
+                </a:solidFill>
+                <a:latin typeface="Tahoma Bold" panose="020B0804030504040204"/>
+                <a:ea typeface="Tahoma Bold" panose="020B0804030504040204"/>
+                <a:cs typeface="Tahoma Bold" panose="020B0804030504040204"/>
+                <a:sym typeface="Tahoma Bold" panose="020B0804030504040204"/>
+              </a:rPr>
+              <a:t>ây dựng thành công </a:t>
+            </a:r>
+            <a:r>
+              <a:rPr lang="vi-VN" altLang="en-US" sz="2800" b="1">
+                <a:solidFill>
+                  <a:srgbClr val="000000"/>
+                </a:solidFill>
+                <a:latin typeface="Tahoma Bold" panose="020B0804030504040204"/>
+                <a:ea typeface="Tahoma Bold" panose="020B0804030504040204"/>
+                <a:cs typeface="Tahoma Bold" panose="020B0804030504040204"/>
+                <a:sym typeface="Tahoma Bold" panose="020B0804030504040204"/>
+              </a:rPr>
+              <a:t>một</a:t>
+            </a:r>
+            <a:r>
+              <a:rPr lang="en-US" sz="2800" b="1">
+                <a:solidFill>
+                  <a:srgbClr val="000000"/>
+                </a:solidFill>
+                <a:latin typeface="Tahoma Bold" panose="020B0804030504040204"/>
+                <a:ea typeface="Tahoma Bold" panose="020B0804030504040204"/>
+                <a:cs typeface="Tahoma Bold" panose="020B0804030504040204"/>
+                <a:sym typeface="Tahoma Bold" panose="020B0804030504040204"/>
+              </a:rPr>
+              <a:t> hệ thống hỗ trợ học tập hoàn chỉnh:</a:t>
             </a:r>
             <a:endParaRPr lang="en-US" sz="2800" b="1">
               <a:solidFill>
@@ -12724,8 +11955,8 @@
         </p:nvSpPr>
         <p:spPr>
           <a:xfrm>
-            <a:off x="10229278" y="5227414"/>
-            <a:ext cx="932312" cy="1676067"/>
+            <a:off x="10363200" y="5372100"/>
+            <a:ext cx="840105" cy="1393825"/>
           </a:xfrm>
           <a:custGeom>
             <a:avLst/>
@@ -12794,7 +12025,7 @@
         </p:nvSpPr>
         <p:spPr>
           <a:xfrm>
-            <a:off x="445618" y="7527146"/>
+            <a:off x="304648" y="7657956"/>
             <a:ext cx="808587" cy="939943"/>
           </a:xfrm>
           <a:custGeom>
@@ -12998,15 +12229,15 @@
         </p:nvSpPr>
         <p:spPr>
           <a:xfrm>
-            <a:off x="1468398" y="2578401"/>
-            <a:ext cx="15351205" cy="438785"/>
+            <a:off x="1468120" y="2578100"/>
+            <a:ext cx="16339185" cy="466725"/>
           </a:xfrm>
           <a:prstGeom prst="rect">
             <a:avLst/>
           </a:prstGeom>
         </p:spPr>
         <p:txBody>
-          <a:bodyPr lIns="0" tIns="0" rIns="0" bIns="0" rtlCol="0" anchor="t">
+          <a:bodyPr wrap="square" lIns="0" tIns="0" rIns="0" bIns="0" rtlCol="0" anchor="t">
             <a:spAutoFit/>
           </a:bodyPr>
           <a:lstStyle/>
@@ -13029,7 +12260,31 @@
                 <a:cs typeface="Tahoma Bold" panose="020B0804030504040204"/>
                 <a:sym typeface="Tahoma Bold" panose="020B0804030504040204"/>
               </a:rPr>
-              <a:t>Để hệ thống trở thành một công cụ mạnh mẽ hơn, các hướng phát triển trong tương lai gồm:</a:t>
+              <a:t>Để hệ thống </a:t>
+            </a:r>
+            <a:r>
+              <a:rPr lang="en-US" sz="2800" b="1">
+                <a:solidFill>
+                  <a:srgbClr val="000000"/>
+                </a:solidFill>
+                <a:latin typeface="Tahoma Bold" panose="020B0804030504040204"/>
+                <a:ea typeface="Tahoma Bold" panose="020B0804030504040204"/>
+                <a:cs typeface="Tahoma Bold" panose="020B0804030504040204"/>
+                <a:sym typeface="Tahoma Bold" panose="020B0804030504040204"/>
+              </a:rPr>
+              <a:t>trở </a:t>
+            </a:r>
+            <a:r>
+              <a:rPr lang="en-US" sz="2600" b="1">
+                <a:solidFill>
+                  <a:srgbClr val="000000"/>
+                </a:solidFill>
+                <a:latin typeface="Tahoma Bold" panose="020B0804030504040204"/>
+                <a:ea typeface="Tahoma Bold" panose="020B0804030504040204"/>
+                <a:cs typeface="Tahoma Bold" panose="020B0804030504040204"/>
+                <a:sym typeface="Tahoma Bold" panose="020B0804030504040204"/>
+              </a:rPr>
+              <a:t>thành một công cụ mạnh mẽ hơn, các hướng phát triển trong tương lai gồm:</a:t>
             </a:r>
             <a:endParaRPr lang="en-US" sz="2600" b="1">
               <a:solidFill>
@@ -13051,8 +12306,8 @@
         </p:nvSpPr>
         <p:spPr>
           <a:xfrm>
-            <a:off x="1564657" y="4305312"/>
-            <a:ext cx="6352619" cy="824865"/>
+            <a:off x="1564640" y="4305300"/>
+            <a:ext cx="7002780" cy="1329055"/>
           </a:xfrm>
           <a:prstGeom prst="rect">
             <a:avLst/>
@@ -13060,7 +12315,7 @@
         </p:spPr>
         <p:txBody>
           <a:bodyPr lIns="0" tIns="0" rIns="0" bIns="0" rtlCol="0" anchor="t">
-            <a:spAutoFit/>
+            <a:noAutofit/>
           </a:bodyPr>
           <a:lstStyle/>
           <a:p>
@@ -13073,19 +12328,43 @@
               </a:spcBef>
             </a:pPr>
             <a:r>
-              <a:rPr lang="en-US" sz="2400" b="1">
-                <a:solidFill>
-                  <a:srgbClr val="000000"/>
-                </a:solidFill>
-                <a:latin typeface="Tahoma Bold" panose="020B0804030504040204"/>
-                <a:ea typeface="Tahoma Bold" panose="020B0804030504040204"/>
-                <a:cs typeface="Tahoma Bold" panose="020B0804030504040204"/>
-                <a:sym typeface="Tahoma Bold" panose="020B0804030504040204"/>
-              </a:rPr>
-              <a:t>Bổ sang dạng bài tập nâng cao: </a:t>
-            </a:r>
-            <a:r>
-              <a:rPr lang="en-US" sz="2400">
+              <a:rPr lang="en-US" sz="2800" b="1">
+                <a:solidFill>
+                  <a:srgbClr val="000000"/>
+                </a:solidFill>
+                <a:latin typeface="Tahoma Bold" panose="020B0804030504040204"/>
+                <a:ea typeface="Tahoma Bold" panose="020B0804030504040204"/>
+                <a:cs typeface="Tahoma Bold" panose="020B0804030504040204"/>
+                <a:sym typeface="Tahoma Bold" panose="020B0804030504040204"/>
+              </a:rPr>
+              <a:t>Bổ s</a:t>
+            </a:r>
+            <a:r>
+              <a:rPr lang="vi-VN" altLang="en-US" sz="2800" b="1">
+                <a:solidFill>
+                  <a:srgbClr val="000000"/>
+                </a:solidFill>
+                <a:latin typeface="Tahoma Bold" panose="020B0804030504040204"/>
+                <a:ea typeface="Tahoma Bold" panose="020B0804030504040204"/>
+                <a:cs typeface="Tahoma Bold" panose="020B0804030504040204"/>
+                <a:sym typeface="Tahoma Bold" panose="020B0804030504040204"/>
+              </a:rPr>
+              <a:t>u</a:t>
+            </a:r>
+            <a:r>
+              <a:rPr lang="en-US" sz="2800" b="1">
+                <a:solidFill>
+                  <a:srgbClr val="000000"/>
+                </a:solidFill>
+                <a:latin typeface="Tahoma Bold" panose="020B0804030504040204"/>
+                <a:ea typeface="Tahoma Bold" panose="020B0804030504040204"/>
+                <a:cs typeface="Tahoma Bold" panose="020B0804030504040204"/>
+                <a:sym typeface="Tahoma Bold" panose="020B0804030504040204"/>
+              </a:rPr>
+              <a:t>ng dạng bài tập nâng cao: </a:t>
+            </a:r>
+            <a:r>
+              <a:rPr lang="en-US" sz="2800">
                 <a:solidFill>
                   <a:srgbClr val="000000"/>
                 </a:solidFill>
@@ -13096,7 +12375,7 @@
               </a:rPr>
               <a:t>tự luận, nộp file và các hình thức đánh giá khác</a:t>
             </a:r>
-            <a:endParaRPr lang="en-US" sz="2400">
+            <a:endParaRPr lang="en-US" sz="2800">
               <a:solidFill>
                 <a:srgbClr val="000000"/>
               </a:solidFill>
@@ -13116,15 +12395,15 @@
         </p:nvSpPr>
         <p:spPr>
           <a:xfrm>
-            <a:off x="11536294" y="5419652"/>
-            <a:ext cx="6306088" cy="1243965"/>
+            <a:off x="11536045" y="5419725"/>
+            <a:ext cx="6527165" cy="1292225"/>
           </a:xfrm>
           <a:prstGeom prst="rect">
             <a:avLst/>
           </a:prstGeom>
         </p:spPr>
         <p:txBody>
-          <a:bodyPr lIns="0" tIns="0" rIns="0" bIns="0" rtlCol="0" anchor="t">
+          <a:bodyPr wrap="square" lIns="0" tIns="0" rIns="0" bIns="0" rtlCol="0" anchor="t">
             <a:spAutoFit/>
           </a:bodyPr>
           <a:lstStyle/>
@@ -13138,7 +12417,7 @@
               </a:spcBef>
             </a:pPr>
             <a:r>
-              <a:rPr lang="en-US" sz="2400" b="1">
+              <a:rPr lang="en-US" sz="2600" b="1">
                 <a:solidFill>
                   <a:srgbClr val="000000"/>
                 </a:solidFill>
@@ -13150,18 +12429,42 @@
               <a:t>Tối ưu hóa cho thiết bị di động: </a:t>
             </a:r>
             <a:r>
-              <a:rPr lang="en-US" sz="2400">
-                <a:solidFill>
-                  <a:srgbClr val="000000"/>
-                </a:solidFill>
-                <a:latin typeface="Tahoma" panose="020B0604030504040204"/>
-                <a:ea typeface="Tahoma" panose="020B0604030504040204"/>
-                <a:cs typeface="Tahoma" panose="020B0604030504040204"/>
-                <a:sym typeface="Tahoma" panose="020B0604030504040204"/>
-              </a:rPr>
-              <a:t>cải thiện giao diện để mang lại trỉa nghiệm học tập trên điện thoại và máy tính bảng</a:t>
-            </a:r>
-            <a:endParaRPr lang="en-US" sz="2400">
+              <a:rPr lang="en-US" sz="2600">
+                <a:solidFill>
+                  <a:srgbClr val="000000"/>
+                </a:solidFill>
+                <a:latin typeface="Tahoma" panose="020B0604030504040204"/>
+                <a:ea typeface="Tahoma" panose="020B0604030504040204"/>
+                <a:cs typeface="Tahoma" panose="020B0604030504040204"/>
+                <a:sym typeface="Tahoma" panose="020B0604030504040204"/>
+              </a:rPr>
+              <a:t>cải thiện giao diện để mang lại tr</a:t>
+            </a:r>
+            <a:r>
+              <a:rPr lang="vi-VN" altLang="en-US" sz="2600">
+                <a:solidFill>
+                  <a:srgbClr val="000000"/>
+                </a:solidFill>
+                <a:latin typeface="Tahoma" panose="020B0604030504040204"/>
+                <a:ea typeface="Tahoma" panose="020B0604030504040204"/>
+                <a:cs typeface="Tahoma" panose="020B0604030504040204"/>
+                <a:sym typeface="Tahoma" panose="020B0604030504040204"/>
+              </a:rPr>
+              <a:t>ải</a:t>
+            </a:r>
+            <a:r>
+              <a:rPr lang="en-US" sz="2600">
+                <a:solidFill>
+                  <a:srgbClr val="000000"/>
+                </a:solidFill>
+                <a:latin typeface="Tahoma" panose="020B0604030504040204"/>
+                <a:ea typeface="Tahoma" panose="020B0604030504040204"/>
+                <a:cs typeface="Tahoma" panose="020B0604030504040204"/>
+                <a:sym typeface="Tahoma" panose="020B0604030504040204"/>
+              </a:rPr>
+              <a:t> nghiệm học tập trên điện thoại và máy tính bảng</a:t>
+            </a:r>
+            <a:endParaRPr lang="en-US" sz="2600">
               <a:solidFill>
                 <a:srgbClr val="000000"/>
               </a:solidFill>
@@ -13181,15 +12484,15 @@
         </p:nvSpPr>
         <p:spPr>
           <a:xfrm>
-            <a:off x="1387555" y="7571103"/>
-            <a:ext cx="6911170" cy="1243965"/>
+            <a:off x="1229995" y="7571105"/>
+            <a:ext cx="7320915" cy="1292225"/>
           </a:xfrm>
           <a:prstGeom prst="rect">
             <a:avLst/>
           </a:prstGeom>
         </p:spPr>
         <p:txBody>
-          <a:bodyPr lIns="0" tIns="0" rIns="0" bIns="0" rtlCol="0" anchor="t">
+          <a:bodyPr wrap="square" lIns="0" tIns="0" rIns="0" bIns="0" rtlCol="0" anchor="t">
             <a:spAutoFit/>
           </a:bodyPr>
           <a:lstStyle/>
@@ -13203,18 +12506,42 @@
               </a:spcBef>
             </a:pPr>
             <a:r>
-              <a:rPr lang="en-US" sz="2400" b="1">
-                <a:solidFill>
-                  <a:srgbClr val="000000"/>
-                </a:solidFill>
-                <a:latin typeface="Tahoma Bold" panose="020B0804030504040204"/>
-                <a:ea typeface="Tahoma Bold" panose="020B0804030504040204"/>
-                <a:cs typeface="Tahoma Bold" panose="020B0804030504040204"/>
-                <a:sym typeface="Tahoma Bold" panose="020B0804030504040204"/>
-              </a:rPr>
-              <a:t>Xây dựng hệ thống thông báo thời gian thực:</a:t>
-            </a:r>
-            <a:endParaRPr lang="en-US" sz="2400" b="1">
+              <a:rPr lang="en-US" sz="2500" b="1">
+                <a:solidFill>
+                  <a:srgbClr val="000000"/>
+                </a:solidFill>
+                <a:latin typeface="Tahoma Bold" panose="020B0804030504040204"/>
+                <a:ea typeface="Tahoma Bold" panose="020B0804030504040204"/>
+                <a:cs typeface="Tahoma Bold" panose="020B0804030504040204"/>
+                <a:sym typeface="Tahoma Bold" panose="020B0804030504040204"/>
+              </a:rPr>
+              <a:t>Xây dựng hệ thống thông báo thời</a:t>
+            </a:r>
+            <a:r>
+              <a:rPr lang="vi-VN" altLang="en-US" sz="2500" b="1">
+                <a:solidFill>
+                  <a:srgbClr val="000000"/>
+                </a:solidFill>
+                <a:latin typeface="Tahoma Bold" panose="020B0804030504040204"/>
+                <a:ea typeface="Tahoma Bold" panose="020B0804030504040204"/>
+                <a:cs typeface="Tahoma Bold" panose="020B0804030504040204"/>
+                <a:sym typeface="Tahoma Bold" panose="020B0804030504040204"/>
+              </a:rPr>
+              <a:t> </a:t>
+            </a:r>
+            <a:r>
+              <a:rPr lang="en-US" sz="2500" b="1">
+                <a:solidFill>
+                  <a:srgbClr val="000000"/>
+                </a:solidFill>
+                <a:latin typeface="Tahoma Bold" panose="020B0804030504040204"/>
+                <a:ea typeface="Tahoma Bold" panose="020B0804030504040204"/>
+                <a:cs typeface="Tahoma Bold" panose="020B0804030504040204"/>
+                <a:sym typeface="Tahoma Bold" panose="020B0804030504040204"/>
+              </a:rPr>
+              <a:t>gian thực:</a:t>
+            </a:r>
+            <a:endParaRPr lang="en-US" sz="2500" b="1">
               <a:solidFill>
                 <a:srgbClr val="000000"/>
               </a:solidFill>
@@ -13234,18 +12561,42 @@
               </a:spcBef>
             </a:pPr>
             <a:r>
-              <a:rPr lang="en-US" sz="2400">
-                <a:solidFill>
-                  <a:srgbClr val="000000"/>
-                </a:solidFill>
-                <a:latin typeface="Tahoma" panose="020B0604030504040204"/>
-                <a:ea typeface="Tahoma" panose="020B0604030504040204"/>
-                <a:cs typeface="Tahoma" panose="020B0604030504040204"/>
-                <a:sym typeface="Tahoma" panose="020B0604030504040204"/>
-              </a:rPr>
-              <a:t>gửi thông báo từc thì vè khóa học, nhắc nhở lịch học,..</a:t>
-            </a:r>
-            <a:endParaRPr lang="en-US" sz="2400">
+              <a:rPr lang="en-US" sz="2600">
+                <a:solidFill>
+                  <a:srgbClr val="000000"/>
+                </a:solidFill>
+                <a:latin typeface="Tahoma" panose="020B0604030504040204"/>
+                <a:ea typeface="Tahoma" panose="020B0604030504040204"/>
+                <a:cs typeface="Tahoma" panose="020B0604030504040204"/>
+                <a:sym typeface="Tahoma" panose="020B0604030504040204"/>
+              </a:rPr>
+              <a:t>gửi thông báo từc thì v</a:t>
+            </a:r>
+            <a:r>
+              <a:rPr lang="vi-VN" altLang="en-US" sz="2600">
+                <a:solidFill>
+                  <a:srgbClr val="000000"/>
+                </a:solidFill>
+                <a:latin typeface="Tahoma" panose="020B0604030504040204"/>
+                <a:ea typeface="Tahoma" panose="020B0604030504040204"/>
+                <a:cs typeface="Tahoma" panose="020B0604030504040204"/>
+                <a:sym typeface="Tahoma" panose="020B0604030504040204"/>
+              </a:rPr>
+              <a:t>ề</a:t>
+            </a:r>
+            <a:r>
+              <a:rPr lang="en-US" sz="2600">
+                <a:solidFill>
+                  <a:srgbClr val="000000"/>
+                </a:solidFill>
+                <a:latin typeface="Tahoma" panose="020B0604030504040204"/>
+                <a:ea typeface="Tahoma" panose="020B0604030504040204"/>
+                <a:cs typeface="Tahoma" panose="020B0604030504040204"/>
+                <a:sym typeface="Tahoma" panose="020B0604030504040204"/>
+              </a:rPr>
+              <a:t> khóa học, nhắc nhở lịch học,..</a:t>
+            </a:r>
+            <a:endParaRPr lang="en-US" sz="2600">
               <a:solidFill>
                 <a:srgbClr val="000000"/>
               </a:solidFill>
@@ -14809,8 +14160,8 @@
         </p:nvSpPr>
         <p:spPr>
           <a:xfrm>
-            <a:off x="5702323" y="7279281"/>
-            <a:ext cx="5111353" cy="669925"/>
+            <a:off x="5702300" y="8827135"/>
+            <a:ext cx="3753485" cy="203200"/>
           </a:xfrm>
           <a:prstGeom prst="rect">
             <a:avLst/>
@@ -14818,7 +14169,7 @@
         </p:spPr>
         <p:txBody>
           <a:bodyPr lIns="0" tIns="0" rIns="0" bIns="0" rtlCol="0" anchor="t">
-            <a:spAutoFit/>
+            <a:noAutofit/>
           </a:bodyPr>
           <a:lstStyle/>
           <a:p>
@@ -14830,18 +14181,6 @@
                 <a:spcPct val="0"/>
               </a:spcBef>
             </a:pPr>
-            <a:r>
-              <a:rPr lang="en-US" sz="4000" b="1">
-                <a:solidFill>
-                  <a:srgbClr val="FDF9E8"/>
-                </a:solidFill>
-                <a:latin typeface="Tahoma Bold" panose="020B0804030504040204"/>
-                <a:ea typeface="Tahoma Bold" panose="020B0804030504040204"/>
-                <a:cs typeface="Tahoma Bold" panose="020B0804030504040204"/>
-                <a:sym typeface="Tahoma Bold" panose="020B0804030504040204"/>
-              </a:rPr>
-              <a:t>Tổng quan hệ thống</a:t>
-            </a:r>
             <a:endParaRPr lang="en-US" sz="4000" b="1">
               <a:solidFill>
                 <a:srgbClr val="FDF9E8"/>
@@ -15523,19 +14862,23 @@
         <p:nvSpPr>
           <p:cNvPr id="6" name="TextBox 6"/>
           <p:cNvSpPr txBox="1"/>
-          <p:nvPr/>
+          <p:nvPr>
+            <p:custDataLst>
+              <p:tags r:id="rId1"/>
+            </p:custDataLst>
+          </p:nvPr>
         </p:nvSpPr>
         <p:spPr>
           <a:xfrm>
-            <a:off x="789069" y="1697430"/>
-            <a:ext cx="4316530" cy="669926"/>
+            <a:off x="789305" y="1697355"/>
+            <a:ext cx="5123815" cy="717550"/>
           </a:xfrm>
           <a:prstGeom prst="rect">
             <a:avLst/>
           </a:prstGeom>
         </p:spPr>
         <p:txBody>
-          <a:bodyPr lIns="0" tIns="0" rIns="0" bIns="0" rtlCol="0" anchor="t">
+          <a:bodyPr wrap="square" lIns="0" tIns="0" rIns="0" bIns="0" rtlCol="0" anchor="t">
             <a:spAutoFit/>
           </a:bodyPr>
           <a:lstStyle/>
@@ -16341,7 +15684,11 @@
         <p:nvSpPr>
           <p:cNvPr id="11" name="TextBox 11"/>
           <p:cNvSpPr txBox="1"/>
-          <p:nvPr/>
+          <p:nvPr>
+            <p:custDataLst>
+              <p:tags r:id="rId2"/>
+            </p:custDataLst>
+          </p:nvPr>
         </p:nvSpPr>
         <p:spPr>
           <a:xfrm>
@@ -16394,7 +15741,11 @@
         <p:nvSpPr>
           <p:cNvPr id="12" name="TextBox 12"/>
           <p:cNvSpPr txBox="1"/>
-          <p:nvPr/>
+          <p:nvPr>
+            <p:custDataLst>
+              <p:tags r:id="rId3"/>
+            </p:custDataLst>
+          </p:nvPr>
         </p:nvSpPr>
         <p:spPr>
           <a:xfrm>
@@ -16447,7 +15798,11 @@
         <p:nvSpPr>
           <p:cNvPr id="13" name="TextBox 13"/>
           <p:cNvSpPr txBox="1"/>
-          <p:nvPr/>
+          <p:nvPr>
+            <p:custDataLst>
+              <p:tags r:id="rId4"/>
+            </p:custDataLst>
+          </p:nvPr>
         </p:nvSpPr>
         <p:spPr>
           <a:xfrm>
@@ -17334,7 +16689,7 @@
             </a:pathLst>
           </a:custGeom>
           <a:blipFill>
-            <a:blip r:embed="rId1"/>
+            <a:blip r:embed="rId5"/>
             <a:stretch>
               <a:fillRect/>
             </a:stretch>
@@ -17349,7 +16704,7 @@
         </p:nvSpPr>
         <p:spPr>
           <a:xfrm>
-            <a:off x="13915686" y="3434375"/>
+            <a:off x="14021096" y="2933995"/>
             <a:ext cx="1629699" cy="1653753"/>
           </a:xfrm>
           <a:custGeom>
@@ -17380,10 +16735,10 @@
             </a:pathLst>
           </a:custGeom>
           <a:blipFill>
-            <a:blip r:embed="rId2">
+            <a:blip r:embed="rId6">
               <a:extLst>
                 <a:ext uri="{96DAC541-7B7A-43D3-8B79-37D633B846F1}">
-                  <asvg:svgBlip xmlns:asvg="http://schemas.microsoft.com/office/drawing/2016/SVG/main" r:embed="rId3"/>
+                  <asvg:svgBlip xmlns:asvg="http://schemas.microsoft.com/office/drawing/2016/SVG/main" r:embed="rId7"/>
                 </a:ext>
               </a:extLst>
             </a:blip>
@@ -17401,7 +16756,7 @@
         </p:nvSpPr>
         <p:spPr>
           <a:xfrm>
-            <a:off x="15810366" y="5143500"/>
+            <a:off x="15011536" y="4762500"/>
             <a:ext cx="1610716" cy="1347144"/>
           </a:xfrm>
           <a:custGeom>
@@ -17432,10 +16787,10 @@
             </a:pathLst>
           </a:custGeom>
           <a:blipFill>
-            <a:blip r:embed="rId4">
+            <a:blip r:embed="rId8">
               <a:extLst>
                 <a:ext uri="{96DAC541-7B7A-43D3-8B79-37D633B846F1}">
-                  <asvg:svgBlip xmlns:asvg="http://schemas.microsoft.com/office/drawing/2016/SVG/main" r:embed="rId5"/>
+                  <asvg:svgBlip xmlns:asvg="http://schemas.microsoft.com/office/drawing/2016/SVG/main" r:embed="rId9"/>
                 </a:ext>
               </a:extLst>
             </a:blip>
@@ -21015,15 +20370,15 @@
         </p:nvSpPr>
         <p:spPr>
           <a:xfrm>
-            <a:off x="1326314" y="7803304"/>
-            <a:ext cx="2732484" cy="339725"/>
+            <a:off x="1143000" y="8039100"/>
+            <a:ext cx="3219450" cy="358775"/>
           </a:xfrm>
           <a:prstGeom prst="rect">
             <a:avLst/>
           </a:prstGeom>
         </p:spPr>
         <p:txBody>
-          <a:bodyPr lIns="0" tIns="0" rIns="0" bIns="0" rtlCol="0" anchor="t">
+          <a:bodyPr wrap="square" lIns="0" tIns="0" rIns="0" bIns="0" rtlCol="0" anchor="t">
             <a:spAutoFit/>
           </a:bodyPr>
           <a:lstStyle/>
@@ -21219,7 +20574,7 @@
         <p:spPr>
           <a:xfrm>
             <a:off x="13996492" y="7450879"/>
-            <a:ext cx="3272109" cy="1044575"/>
+            <a:ext cx="3272109" cy="1076960"/>
           </a:xfrm>
           <a:prstGeom prst="rect">
             <a:avLst/>
@@ -21253,7 +20608,31 @@
                 <a:cs typeface="Tahoma Bold" panose="020B0804030504040204"/>
                 <a:sym typeface="Tahoma Bold" panose="020B0804030504040204"/>
               </a:rPr>
-              <a:t>Lưu trữ dự liệu hệ thống</a:t>
+              <a:t>Lưu trữ d</a:t>
+            </a:r>
+            <a:r>
+              <a:rPr lang="vi-VN" altLang="en-US" sz="2000" b="1">
+                <a:solidFill>
+                  <a:srgbClr val="0D1826"/>
+                </a:solidFill>
+                <a:latin typeface="Tahoma Bold" panose="020B0804030504040204"/>
+                <a:ea typeface="Tahoma Bold" panose="020B0804030504040204"/>
+                <a:cs typeface="Tahoma Bold" panose="020B0804030504040204"/>
+                <a:sym typeface="Tahoma Bold" panose="020B0804030504040204"/>
+              </a:rPr>
+              <a:t>ữ</a:t>
+            </a:r>
+            <a:r>
+              <a:rPr lang="en-US" sz="2000" b="1">
+                <a:solidFill>
+                  <a:srgbClr val="0D1826"/>
+                </a:solidFill>
+                <a:latin typeface="Tahoma Bold" panose="020B0804030504040204"/>
+                <a:ea typeface="Tahoma Bold" panose="020B0804030504040204"/>
+                <a:cs typeface="Tahoma Bold" panose="020B0804030504040204"/>
+                <a:sym typeface="Tahoma Bold" panose="020B0804030504040204"/>
+              </a:rPr>
+              <a:t> liệu hệ thống</a:t>
             </a:r>
             <a:endParaRPr lang="en-US" sz="2000" b="1">
               <a:solidFill>
@@ -23437,8 +22816,8 @@
         </p:nvGrpSpPr>
         <p:grpSpPr>
           <a:xfrm>
-            <a:off x="375569" y="4118683"/>
-            <a:ext cx="5543544" cy="5425367"/>
+            <a:off x="375285" y="4118610"/>
+            <a:ext cx="5543550" cy="5915025"/>
             <a:chOff x="0" y="0"/>
             <a:chExt cx="1460028" cy="1428903"/>
           </a:xfrm>
@@ -23663,7 +23042,7 @@
         <p:spPr>
           <a:xfrm>
             <a:off x="375569" y="4299658"/>
-            <a:ext cx="5541165" cy="3929380"/>
+            <a:ext cx="5541165" cy="4398645"/>
           </a:xfrm>
           <a:prstGeom prst="rect">
             <a:avLst/>
@@ -23695,6 +23074,24 @@
             <a:endParaRPr lang="en-US" sz="2800" b="1">
               <a:solidFill>
                 <a:srgbClr val="0D1826"/>
+              </a:solidFill>
+              <a:latin typeface="Tahoma Bold" panose="020B0804030504040204"/>
+              <a:ea typeface="Tahoma Bold" panose="020B0804030504040204"/>
+              <a:cs typeface="Tahoma Bold" panose="020B0804030504040204"/>
+              <a:sym typeface="Tahoma Bold" panose="020B0804030504040204"/>
+            </a:endParaRPr>
+          </a:p>
+          <a:p>
+            <a:pPr marL="561340" lvl="1" indent="-280670" algn="l">
+              <a:lnSpc>
+                <a:spcPts val="3900"/>
+              </a:lnSpc>
+              <a:buFont typeface="Arial" panose="020B0604020202020204"/>
+              <a:buChar char="•"/>
+            </a:pPr>
+            <a:endParaRPr lang="en-US" sz="2600" b="1">
+              <a:solidFill>
+                <a:srgbClr val="000000"/>
               </a:solidFill>
               <a:latin typeface="Tahoma Bold" panose="020B0804030504040204"/>
               <a:ea typeface="Tahoma Bold" panose="020B0804030504040204"/>
@@ -23922,8 +23319,8 @@
         </p:nvGrpSpPr>
         <p:grpSpPr>
           <a:xfrm>
-            <a:off x="6202484" y="4086030"/>
-            <a:ext cx="5562594" cy="5458020"/>
+            <a:off x="6202680" y="4086225"/>
+            <a:ext cx="5562600" cy="5958840"/>
             <a:chOff x="0" y="0"/>
             <a:chExt cx="1465045" cy="1437503"/>
           </a:xfrm>
@@ -24047,8 +23444,8 @@
         </p:nvGrpSpPr>
         <p:grpSpPr>
           <a:xfrm>
-            <a:off x="12050827" y="4086030"/>
-            <a:ext cx="5857998" cy="5458020"/>
+            <a:off x="12051030" y="4086225"/>
+            <a:ext cx="5857875" cy="5975985"/>
             <a:chOff x="0" y="0"/>
             <a:chExt cx="1542847" cy="1437503"/>
           </a:xfrm>
@@ -24292,8 +23689,8 @@
         </p:nvSpPr>
         <p:spPr>
           <a:xfrm>
-            <a:off x="6202484" y="4299658"/>
-            <a:ext cx="5413415" cy="4919980"/>
+            <a:off x="6202680" y="4299585"/>
+            <a:ext cx="5413375" cy="5733415"/>
           </a:xfrm>
           <a:prstGeom prst="rect">
             <a:avLst/>
@@ -24301,7 +23698,7 @@
         </p:spPr>
         <p:txBody>
           <a:bodyPr lIns="0" tIns="0" rIns="0" bIns="0" rtlCol="0" anchor="t">
-            <a:spAutoFit/>
+            <a:noAutofit/>
           </a:bodyPr>
           <a:lstStyle/>
           <a:p>
@@ -24340,6 +23737,24 @@
               <a:buFont typeface="Arial" panose="020B0604020202020204"/>
               <a:buChar char="•"/>
             </a:pPr>
+            <a:endParaRPr lang="en-US" sz="2600" b="1">
+              <a:solidFill>
+                <a:srgbClr val="000000"/>
+              </a:solidFill>
+              <a:latin typeface="Tahoma Bold" panose="020B0804030504040204"/>
+              <a:ea typeface="Tahoma Bold" panose="020B0804030504040204"/>
+              <a:cs typeface="Tahoma Bold" panose="020B0804030504040204"/>
+              <a:sym typeface="Tahoma Bold" panose="020B0804030504040204"/>
+            </a:endParaRPr>
+          </a:p>
+          <a:p>
+            <a:pPr marL="561340" lvl="1" indent="-280670" algn="l">
+              <a:lnSpc>
+                <a:spcPts val="3900"/>
+              </a:lnSpc>
+              <a:buFont typeface="Arial" panose="020B0604020202020204"/>
+              <a:buChar char="•"/>
+            </a:pPr>
             <a:r>
               <a:rPr lang="en-US" sz="2600" b="1">
                 <a:solidFill>
@@ -24434,7 +23849,31 @@
                 <a:cs typeface="Tahoma Bold" panose="020B0804030504040204"/>
                 <a:sym typeface="Tahoma Bold" panose="020B0804030504040204"/>
               </a:rPr>
-              <a:t>Quàn lý kiểm tra: </a:t>
+              <a:t>Qu</a:t>
+            </a:r>
+            <a:r>
+              <a:rPr lang="vi-VN" altLang="en-US" sz="2600" b="1">
+                <a:solidFill>
+                  <a:srgbClr val="000000"/>
+                </a:solidFill>
+                <a:latin typeface="Tahoma Bold" panose="020B0804030504040204"/>
+                <a:ea typeface="Tahoma Bold" panose="020B0804030504040204"/>
+                <a:cs typeface="Tahoma Bold" panose="020B0804030504040204"/>
+                <a:sym typeface="Tahoma Bold" panose="020B0804030504040204"/>
+              </a:rPr>
+              <a:t>ả</a:t>
+            </a:r>
+            <a:r>
+              <a:rPr lang="en-US" sz="2600" b="1">
+                <a:solidFill>
+                  <a:srgbClr val="000000"/>
+                </a:solidFill>
+                <a:latin typeface="Tahoma Bold" panose="020B0804030504040204"/>
+                <a:ea typeface="Tahoma Bold" panose="020B0804030504040204"/>
+                <a:cs typeface="Tahoma Bold" panose="020B0804030504040204"/>
+                <a:sym typeface="Tahoma Bold" panose="020B0804030504040204"/>
+              </a:rPr>
+              <a:t>n lý kiểm tra: </a:t>
             </a:r>
             <a:r>
               <a:rPr lang="en-US" sz="2600">
@@ -24631,7 +24070,7 @@
         <p:spPr>
           <a:xfrm>
             <a:off x="12050827" y="4299658"/>
-            <a:ext cx="5857998" cy="3929380"/>
+            <a:ext cx="5857998" cy="4398645"/>
           </a:xfrm>
           <a:prstGeom prst="rect">
             <a:avLst/>
@@ -24663,6 +24102,24 @@
             <a:endParaRPr lang="en-US" sz="2800" b="1">
               <a:solidFill>
                 <a:srgbClr val="0D1826"/>
+              </a:solidFill>
+              <a:latin typeface="Tahoma Bold" panose="020B0804030504040204"/>
+              <a:ea typeface="Tahoma Bold" panose="020B0804030504040204"/>
+              <a:cs typeface="Tahoma Bold" panose="020B0804030504040204"/>
+              <a:sym typeface="Tahoma Bold" panose="020B0804030504040204"/>
+            </a:endParaRPr>
+          </a:p>
+          <a:p>
+            <a:pPr marL="561340" lvl="1" indent="-280670" algn="l">
+              <a:lnSpc>
+                <a:spcPts val="3900"/>
+              </a:lnSpc>
+              <a:buFont typeface="Arial" panose="020B0604020202020204"/>
+              <a:buChar char="•"/>
+            </a:pPr>
+            <a:endParaRPr lang="en-US" sz="2600" b="1">
+              <a:solidFill>
+                <a:srgbClr val="000000"/>
               </a:solidFill>
               <a:latin typeface="Tahoma Bold" panose="020B0804030504040204"/>
               <a:ea typeface="Tahoma Bold" panose="020B0804030504040204"/>
@@ -25412,15 +24869,15 @@
         </p:nvSpPr>
         <p:spPr>
           <a:xfrm>
-            <a:off x="774502" y="2255964"/>
-            <a:ext cx="15309890" cy="504825"/>
+            <a:off x="774700" y="2256155"/>
+            <a:ext cx="15605760" cy="538480"/>
           </a:xfrm>
           <a:prstGeom prst="rect">
             <a:avLst/>
           </a:prstGeom>
         </p:spPr>
         <p:txBody>
-          <a:bodyPr lIns="0" tIns="0" rIns="0" bIns="0" rtlCol="0" anchor="t">
+          <a:bodyPr wrap="square" lIns="0" tIns="0" rIns="0" bIns="0" rtlCol="0" anchor="t">
             <a:spAutoFit/>
           </a:bodyPr>
           <a:lstStyle/>
@@ -26794,7 +26251,7 @@
         </p:nvSpPr>
         <p:spPr>
           <a:xfrm>
-            <a:off x="1232586" y="4904343"/>
+            <a:off x="990651" y="4686538"/>
             <a:ext cx="4406214" cy="824865"/>
           </a:xfrm>
           <a:prstGeom prst="rect">
@@ -27041,6 +26498,30 @@
     <a:masterClrMapping/>
   </p:clrMapOvr>
 </p:sld>
+</file>
+
+<file path=ppt/tags/tag1.xml><?xml version="1.0" encoding="utf-8"?>
+<p:tagLst xmlns:p="http://schemas.openxmlformats.org/presentationml/2006/main">
+  <p:tag name="KSO_WM_DIAGRAM_VIRTUALLY_FRAME" val="{&quot;height&quot;:293.38165354330704,&quot;left&quot;:62.13141732283465,&quot;top&quot;:133.65,&quot;width&quot;:911.5628346456693}"/>
+</p:tagLst>
+</file>
+
+<file path=ppt/tags/tag2.xml><?xml version="1.0" encoding="utf-8"?>
+<p:tagLst xmlns:p="http://schemas.openxmlformats.org/presentationml/2006/main">
+  <p:tag name="KSO_WM_DIAGRAM_VIRTUALLY_FRAME" val="{&quot;height&quot;:293.38165354330704,&quot;left&quot;:62.13141732283465,&quot;top&quot;:133.65,&quot;width&quot;:911.5628346456693}"/>
+</p:tagLst>
+</file>
+
+<file path=ppt/tags/tag3.xml><?xml version="1.0" encoding="utf-8"?>
+<p:tagLst xmlns:p="http://schemas.openxmlformats.org/presentationml/2006/main">
+  <p:tag name="KSO_WM_DIAGRAM_VIRTUALLY_FRAME" val="{&quot;height&quot;:293.38165354330704,&quot;left&quot;:62.13141732283465,&quot;top&quot;:133.65,&quot;width&quot;:911.5628346456693}"/>
+</p:tagLst>
+</file>
+
+<file path=ppt/tags/tag4.xml><?xml version="1.0" encoding="utf-8"?>
+<p:tagLst xmlns:p="http://schemas.openxmlformats.org/presentationml/2006/main">
+  <p:tag name="KSO_WM_DIAGRAM_VIRTUALLY_FRAME" val="{&quot;height&quot;:293.38165354330704,&quot;left&quot;:62.13141732283465,&quot;top&quot;:133.65,&quot;width&quot;:911.5628346456693}"/>
+</p:tagLst>
 </file>
 
 <file path=ppt/theme/theme1.xml><?xml version="1.0" encoding="utf-8"?>
